--- a/sales.pptx
+++ b/sales.pptx
@@ -10,15 +10,16 @@
     <p:sldId id="258" r:id="rId4"/>
     <p:sldId id="262" r:id="rId5"/>
     <p:sldId id="259" r:id="rId6"/>
-    <p:sldId id="263" r:id="rId7"/>
-    <p:sldId id="264" r:id="rId8"/>
-    <p:sldId id="265" r:id="rId9"/>
-    <p:sldId id="267" r:id="rId10"/>
-    <p:sldId id="268" r:id="rId11"/>
-    <p:sldId id="266" r:id="rId12"/>
-    <p:sldId id="260" r:id="rId13"/>
-    <p:sldId id="261" r:id="rId14"/>
-    <p:sldId id="269" r:id="rId15"/>
+    <p:sldId id="270" r:id="rId7"/>
+    <p:sldId id="263" r:id="rId8"/>
+    <p:sldId id="264" r:id="rId9"/>
+    <p:sldId id="265" r:id="rId10"/>
+    <p:sldId id="267" r:id="rId11"/>
+    <p:sldId id="268" r:id="rId12"/>
+    <p:sldId id="266" r:id="rId13"/>
+    <p:sldId id="260" r:id="rId14"/>
+    <p:sldId id="261" r:id="rId15"/>
+    <p:sldId id="269" r:id="rId16"/>
   </p:sldIdLst>
   <p:sldSz cx="12192000" cy="6858000"/>
   <p:notesSz cx="6858000" cy="9144000"/>
@@ -18328,7 +18329,7 @@
           <p:cNvPr id="5" name="Picture 4">
             <a:extLst>
               <a:ext uri="{FF2B5EF4-FFF2-40B4-BE49-F238E27FC236}">
-                <a16:creationId xmlns:a16="http://schemas.microsoft.com/office/drawing/2014/main" id="{54AD5428-7BCF-42BD-8D09-2E0ABC99DD08}"/>
+                <a16:creationId xmlns:a16="http://schemas.microsoft.com/office/drawing/2014/main" id="{D64C8B4B-5ED4-4FB2-B45F-F83C8D11D9E4}"/>
               </a:ext>
             </a:extLst>
           </p:cNvPr>
@@ -18345,8 +18346,8 @@
         </p:blipFill>
         <p:spPr>
           <a:xfrm>
-            <a:off x="5035506" y="1798669"/>
-            <a:ext cx="6924675" cy="3733800"/>
+            <a:off x="5894202" y="1745140"/>
+            <a:ext cx="4906320" cy="4589374"/>
           </a:xfrm>
           <a:prstGeom prst="rect">
             <a:avLst/>
@@ -18358,7 +18359,7 @@
           <p:cNvPr id="6" name="TextBox 5">
             <a:extLst>
               <a:ext uri="{FF2B5EF4-FFF2-40B4-BE49-F238E27FC236}">
-                <a16:creationId xmlns:a16="http://schemas.microsoft.com/office/drawing/2014/main" id="{4FF99A6B-3C10-4EB2-AEBD-96E412345FA9}"/>
+                <a16:creationId xmlns:a16="http://schemas.microsoft.com/office/drawing/2014/main" id="{FBD938F6-E4A1-4F71-B746-B3F0058A6A97}"/>
               </a:ext>
             </a:extLst>
           </p:cNvPr>
@@ -18367,8 +18368,8 @@
         </p:nvSpPr>
         <p:spPr>
           <a:xfrm>
-            <a:off x="6388404" y="1115512"/>
-            <a:ext cx="5332412" cy="646331"/>
+            <a:off x="5696774" y="1212653"/>
+            <a:ext cx="5196513" cy="369332"/>
           </a:xfrm>
           <a:prstGeom prst="rect">
             <a:avLst/>
@@ -18383,7 +18384,7 @@
           <a:p>
             <a:r>
               <a:rPr lang="en-US" dirty="0"/>
-              <a:t>People bought few Christmas items in Nov pertaining to availability in the next month</a:t>
+              <a:t>Best selling products over 12 months in UK</a:t>
             </a:r>
           </a:p>
         </p:txBody>
@@ -18391,7 +18392,7 @@
     </p:spTree>
     <p:extLst>
       <p:ext uri="{BB962C8B-B14F-4D97-AF65-F5344CB8AC3E}">
-        <p14:creationId xmlns:p14="http://schemas.microsoft.com/office/powerpoint/2010/main" val="1715607903"/>
+        <p14:creationId xmlns:p14="http://schemas.microsoft.com/office/powerpoint/2010/main" val="2635765190"/>
       </p:ext>
     </p:extLst>
   </p:cSld>
@@ -20253,6 +20254,1934 @@
       </p:sp>
       <p:pic>
         <p:nvPicPr>
+          <p:cNvPr id="5" name="Picture 4">
+            <a:extLst>
+              <a:ext uri="{FF2B5EF4-FFF2-40B4-BE49-F238E27FC236}">
+                <a16:creationId xmlns:a16="http://schemas.microsoft.com/office/drawing/2014/main" id="{54AD5428-7BCF-42BD-8D09-2E0ABC99DD08}"/>
+              </a:ext>
+            </a:extLst>
+          </p:cNvPr>
+          <p:cNvPicPr>
+            <a:picLocks noChangeAspect="1"/>
+          </p:cNvPicPr>
+          <p:nvPr/>
+        </p:nvPicPr>
+        <p:blipFill>
+          <a:blip r:embed="rId3"/>
+          <a:stretch>
+            <a:fillRect/>
+          </a:stretch>
+        </p:blipFill>
+        <p:spPr>
+          <a:xfrm>
+            <a:off x="5035506" y="1798669"/>
+            <a:ext cx="6924675" cy="3733800"/>
+          </a:xfrm>
+          <a:prstGeom prst="rect">
+            <a:avLst/>
+          </a:prstGeom>
+        </p:spPr>
+      </p:pic>
+      <p:sp>
+        <p:nvSpPr>
+          <p:cNvPr id="6" name="TextBox 5">
+            <a:extLst>
+              <a:ext uri="{FF2B5EF4-FFF2-40B4-BE49-F238E27FC236}">
+                <a16:creationId xmlns:a16="http://schemas.microsoft.com/office/drawing/2014/main" id="{4FF99A6B-3C10-4EB2-AEBD-96E412345FA9}"/>
+              </a:ext>
+            </a:extLst>
+          </p:cNvPr>
+          <p:cNvSpPr txBox="1"/>
+          <p:nvPr/>
+        </p:nvSpPr>
+        <p:spPr>
+          <a:xfrm>
+            <a:off x="6388404" y="1115512"/>
+            <a:ext cx="5332412" cy="646331"/>
+          </a:xfrm>
+          <a:prstGeom prst="rect">
+            <a:avLst/>
+          </a:prstGeom>
+          <a:noFill/>
+        </p:spPr>
+        <p:txBody>
+          <a:bodyPr wrap="square" rtlCol="0">
+            <a:spAutoFit/>
+          </a:bodyPr>
+          <a:lstStyle/>
+          <a:p>
+            <a:r>
+              <a:rPr lang="en-US" dirty="0"/>
+              <a:t>People bought few Christmas items in Nov pertaining to availability in the next month</a:t>
+            </a:r>
+          </a:p>
+        </p:txBody>
+      </p:sp>
+    </p:spTree>
+    <p:extLst>
+      <p:ext uri="{BB962C8B-B14F-4D97-AF65-F5344CB8AC3E}">
+        <p14:creationId xmlns:p14="http://schemas.microsoft.com/office/powerpoint/2010/main" val="1715607903"/>
+      </p:ext>
+    </p:extLst>
+  </p:cSld>
+  <p:clrMapOvr>
+    <a:masterClrMapping/>
+  </p:clrMapOvr>
+</p:sld>
+</file>
+
+<file path=ppt/slides/slide12.xml><?xml version="1.0" encoding="utf-8"?>
+<p:sld xmlns:a="http://schemas.openxmlformats.org/drawingml/2006/main" xmlns:r="http://schemas.openxmlformats.org/officeDocument/2006/relationships" xmlns:p="http://schemas.openxmlformats.org/presentationml/2006/main">
+  <p:cSld>
+    <p:bg>
+      <p:bgPr>
+        <a:solidFill>
+          <a:schemeClr val="bg1"/>
+        </a:solidFill>
+        <a:effectLst/>
+      </p:bgPr>
+    </p:bg>
+    <p:spTree>
+      <p:nvGrpSpPr>
+        <p:cNvPr id="1" name=""/>
+        <p:cNvGrpSpPr/>
+        <p:nvPr/>
+      </p:nvGrpSpPr>
+      <p:grpSpPr>
+        <a:xfrm>
+          <a:off x="0" y="0"/>
+          <a:ext cx="0" cy="0"/>
+          <a:chOff x="0" y="0"/>
+          <a:chExt cx="0" cy="0"/>
+        </a:xfrm>
+      </p:grpSpPr>
+      <p:grpSp>
+        <p:nvGrpSpPr>
+          <p:cNvPr id="11" name="Group 10">
+            <a:extLst>
+              <a:ext uri="{FF2B5EF4-FFF2-40B4-BE49-F238E27FC236}">
+                <a16:creationId xmlns:a16="http://schemas.microsoft.com/office/drawing/2014/main" id="{7084313B-C03D-4981-9786-879159A60395}"/>
+              </a:ext>
+              <a:ext uri="{C183D7F6-B498-43B3-948B-1728B52AA6E4}">
+                <adec:decorative xmlns:adec="http://schemas.microsoft.com/office/drawing/2017/decorative" val="1"/>
+              </a:ext>
+            </a:extLst>
+          </p:cNvPr>
+          <p:cNvGrpSpPr>
+            <a:grpSpLocks noGrp="1" noUngrp="1" noRot="1" noChangeAspect="1" noMove="1" noResize="1"/>
+          </p:cNvGrpSpPr>
+          <p:nvPr>
+            <p:extLst>
+              <p:ext uri="{386F3935-93C4-4BCD-93E2-E3B085C9AB24}">
+                <p16:designElem xmlns:p16="http://schemas.microsoft.com/office/powerpoint/2015/main" val="1"/>
+              </p:ext>
+            </p:extLst>
+          </p:nvPr>
+        </p:nvGrpSpPr>
+        <p:grpSpPr>
+          <a:xfrm>
+            <a:off x="0" y="0"/>
+            <a:ext cx="12192000" cy="6858000"/>
+            <a:chOff x="0" y="0"/>
+            <a:chExt cx="12192000" cy="6858000"/>
+          </a:xfrm>
+        </p:grpSpPr>
+        <p:sp>
+          <p:nvSpPr>
+            <p:cNvPr id="12" name="Rectangle 11">
+              <a:extLst>
+                <a:ext uri="{FF2B5EF4-FFF2-40B4-BE49-F238E27FC236}">
+                  <a16:creationId xmlns:a16="http://schemas.microsoft.com/office/drawing/2014/main" id="{A99190B9-52DD-45DC-BE21-AACE88FEC7FE}"/>
+                </a:ext>
+                <a:ext uri="{C183D7F6-B498-43B3-948B-1728B52AA6E4}">
+                  <adec:decorative xmlns:adec="http://schemas.microsoft.com/office/drawing/2017/decorative" val="1"/>
+                </a:ext>
+              </a:extLst>
+            </p:cNvPr>
+            <p:cNvSpPr/>
+            <p:nvPr>
+              <p:extLst>
+                <p:ext uri="{386F3935-93C4-4BCD-93E2-E3B085C9AB24}">
+                  <p16:designElem xmlns:p16="http://schemas.microsoft.com/office/powerpoint/2015/main" val="1"/>
+                </p:ext>
+              </p:extLst>
+            </p:nvPr>
+          </p:nvSpPr>
+          <p:spPr>
+            <a:xfrm>
+              <a:off x="0" y="0"/>
+              <a:ext cx="12192000" cy="6858000"/>
+            </a:xfrm>
+            <a:prstGeom prst="rect">
+              <a:avLst/>
+            </a:prstGeom>
+            <a:blipFill>
+              <a:blip r:embed="rId2">
+                <a:duotone>
+                  <a:schemeClr val="dk2">
+                    <a:shade val="69000"/>
+                    <a:hueMod val="91000"/>
+                    <a:satMod val="164000"/>
+                    <a:lumMod val="74000"/>
+                  </a:schemeClr>
+                  <a:schemeClr val="dk2">
+                    <a:hueMod val="124000"/>
+                    <a:satMod val="140000"/>
+                    <a:lumMod val="142000"/>
+                  </a:schemeClr>
+                </a:duotone>
+              </a:blip>
+              <a:stretch>
+                <a:fillRect/>
+              </a:stretch>
+            </a:blipFill>
+            <a:ln>
+              <a:noFill/>
+            </a:ln>
+          </p:spPr>
+          <p:style>
+            <a:lnRef idx="2">
+              <a:schemeClr val="accent1">
+                <a:shade val="50000"/>
+              </a:schemeClr>
+            </a:lnRef>
+            <a:fillRef idx="1">
+              <a:schemeClr val="accent1"/>
+            </a:fillRef>
+            <a:effectRef idx="0">
+              <a:schemeClr val="accent1"/>
+            </a:effectRef>
+            <a:fontRef idx="minor">
+              <a:schemeClr val="lt1"/>
+            </a:fontRef>
+          </p:style>
+        </p:sp>
+        <p:sp>
+          <p:nvSpPr>
+            <p:cNvPr id="13" name="Oval 12">
+              <a:extLst>
+                <a:ext uri="{FF2B5EF4-FFF2-40B4-BE49-F238E27FC236}">
+                  <a16:creationId xmlns:a16="http://schemas.microsoft.com/office/drawing/2014/main" id="{D1EE260A-12FB-4D71-A318-71BED7FF314B}"/>
+                </a:ext>
+                <a:ext uri="{C183D7F6-B498-43B3-948B-1728B52AA6E4}">
+                  <adec:decorative xmlns:adec="http://schemas.microsoft.com/office/drawing/2017/decorative" val="1"/>
+                </a:ext>
+              </a:extLst>
+            </p:cNvPr>
+            <p:cNvSpPr/>
+            <p:nvPr>
+              <p:extLst>
+                <p:ext uri="{386F3935-93C4-4BCD-93E2-E3B085C9AB24}">
+                  <p16:designElem xmlns:p16="http://schemas.microsoft.com/office/powerpoint/2015/main" val="1"/>
+                </p:ext>
+              </p:extLst>
+            </p:nvPr>
+          </p:nvSpPr>
+          <p:spPr>
+            <a:xfrm>
+              <a:off x="0" y="2667000"/>
+              <a:ext cx="4191000" cy="4191000"/>
+            </a:xfrm>
+            <a:prstGeom prst="ellipse">
+              <a:avLst/>
+            </a:prstGeom>
+            <a:gradFill flip="none" rotWithShape="1">
+              <a:gsLst>
+                <a:gs pos="0">
+                  <a:schemeClr val="accent5">
+                    <a:alpha val="11000"/>
+                  </a:schemeClr>
+                </a:gs>
+                <a:gs pos="75000">
+                  <a:schemeClr val="accent5">
+                    <a:alpha val="0"/>
+                  </a:schemeClr>
+                </a:gs>
+                <a:gs pos="36000">
+                  <a:schemeClr val="accent5">
+                    <a:alpha val="10000"/>
+                  </a:schemeClr>
+                </a:gs>
+              </a:gsLst>
+              <a:path path="circle">
+                <a:fillToRect l="50000" t="50000" r="50000" b="50000"/>
+              </a:path>
+              <a:tileRect/>
+            </a:gradFill>
+            <a:ln>
+              <a:noFill/>
+            </a:ln>
+            <a:effectLst/>
+          </p:spPr>
+          <p:style>
+            <a:lnRef idx="1">
+              <a:schemeClr val="accent1"/>
+            </a:lnRef>
+            <a:fillRef idx="3">
+              <a:schemeClr val="accent1"/>
+            </a:fillRef>
+            <a:effectRef idx="2">
+              <a:schemeClr val="accent1"/>
+            </a:effectRef>
+            <a:fontRef idx="minor">
+              <a:schemeClr val="lt1"/>
+            </a:fontRef>
+          </p:style>
+        </p:sp>
+        <p:sp>
+          <p:nvSpPr>
+            <p:cNvPr id="14" name="Oval 13">
+              <a:extLst>
+                <a:ext uri="{FF2B5EF4-FFF2-40B4-BE49-F238E27FC236}">
+                  <a16:creationId xmlns:a16="http://schemas.microsoft.com/office/drawing/2014/main" id="{B52EC39A-8D44-4CEF-820F-A442CFA42DE1}"/>
+                </a:ext>
+                <a:ext uri="{C183D7F6-B498-43B3-948B-1728B52AA6E4}">
+                  <adec:decorative xmlns:adec="http://schemas.microsoft.com/office/drawing/2017/decorative" val="1"/>
+                </a:ext>
+              </a:extLst>
+            </p:cNvPr>
+            <p:cNvSpPr/>
+            <p:nvPr>
+              <p:extLst>
+                <p:ext uri="{386F3935-93C4-4BCD-93E2-E3B085C9AB24}">
+                  <p16:designElem xmlns:p16="http://schemas.microsoft.com/office/powerpoint/2015/main" val="1"/>
+                </p:ext>
+              </p:extLst>
+            </p:nvPr>
+          </p:nvSpPr>
+          <p:spPr>
+            <a:xfrm>
+              <a:off x="0" y="2895600"/>
+              <a:ext cx="2362200" cy="2362200"/>
+            </a:xfrm>
+            <a:prstGeom prst="ellipse">
+              <a:avLst/>
+            </a:prstGeom>
+            <a:gradFill flip="none" rotWithShape="1">
+              <a:gsLst>
+                <a:gs pos="0">
+                  <a:schemeClr val="accent5">
+                    <a:alpha val="8000"/>
+                  </a:schemeClr>
+                </a:gs>
+                <a:gs pos="72000">
+                  <a:schemeClr val="accent5">
+                    <a:alpha val="0"/>
+                  </a:schemeClr>
+                </a:gs>
+                <a:gs pos="36000">
+                  <a:schemeClr val="accent5">
+                    <a:alpha val="8000"/>
+                  </a:schemeClr>
+                </a:gs>
+              </a:gsLst>
+              <a:path path="circle">
+                <a:fillToRect l="50000" t="50000" r="50000" b="50000"/>
+              </a:path>
+              <a:tileRect/>
+            </a:gradFill>
+            <a:ln>
+              <a:noFill/>
+            </a:ln>
+            <a:effectLst/>
+          </p:spPr>
+          <p:style>
+            <a:lnRef idx="1">
+              <a:schemeClr val="accent1"/>
+            </a:lnRef>
+            <a:fillRef idx="3">
+              <a:schemeClr val="accent1"/>
+            </a:fillRef>
+            <a:effectRef idx="2">
+              <a:schemeClr val="accent1"/>
+            </a:effectRef>
+            <a:fontRef idx="minor">
+              <a:schemeClr val="lt1"/>
+            </a:fontRef>
+          </p:style>
+        </p:sp>
+        <p:sp>
+          <p:nvSpPr>
+            <p:cNvPr id="15" name="Oval 14">
+              <a:extLst>
+                <a:ext uri="{FF2B5EF4-FFF2-40B4-BE49-F238E27FC236}">
+                  <a16:creationId xmlns:a16="http://schemas.microsoft.com/office/drawing/2014/main" id="{2D010773-529F-4A3D-A0AB-E7CE12DC6173}"/>
+                </a:ext>
+                <a:ext uri="{C183D7F6-B498-43B3-948B-1728B52AA6E4}">
+                  <adec:decorative xmlns:adec="http://schemas.microsoft.com/office/drawing/2017/decorative" val="1"/>
+                </a:ext>
+              </a:extLst>
+            </p:cNvPr>
+            <p:cNvSpPr/>
+            <p:nvPr>
+              <p:extLst>
+                <p:ext uri="{386F3935-93C4-4BCD-93E2-E3B085C9AB24}">
+                  <p16:designElem xmlns:p16="http://schemas.microsoft.com/office/powerpoint/2015/main" val="1"/>
+                </p:ext>
+              </p:extLst>
+            </p:nvPr>
+          </p:nvSpPr>
+          <p:spPr>
+            <a:xfrm>
+              <a:off x="8609012" y="5867400"/>
+              <a:ext cx="990600" cy="990600"/>
+            </a:xfrm>
+            <a:prstGeom prst="ellipse">
+              <a:avLst/>
+            </a:prstGeom>
+            <a:gradFill flip="none" rotWithShape="1">
+              <a:gsLst>
+                <a:gs pos="0">
+                  <a:schemeClr val="accent5">
+                    <a:alpha val="14000"/>
+                  </a:schemeClr>
+                </a:gs>
+                <a:gs pos="66000">
+                  <a:schemeClr val="accent5">
+                    <a:alpha val="0"/>
+                  </a:schemeClr>
+                </a:gs>
+                <a:gs pos="36000">
+                  <a:schemeClr val="accent5">
+                    <a:alpha val="7000"/>
+                  </a:schemeClr>
+                </a:gs>
+              </a:gsLst>
+              <a:path path="circle">
+                <a:fillToRect l="50000" t="50000" r="50000" b="50000"/>
+              </a:path>
+              <a:tileRect/>
+            </a:gradFill>
+            <a:ln>
+              <a:noFill/>
+            </a:ln>
+            <a:effectLst/>
+          </p:spPr>
+          <p:style>
+            <a:lnRef idx="1">
+              <a:schemeClr val="accent1"/>
+            </a:lnRef>
+            <a:fillRef idx="3">
+              <a:schemeClr val="accent1"/>
+            </a:fillRef>
+            <a:effectRef idx="2">
+              <a:schemeClr val="accent1"/>
+            </a:effectRef>
+            <a:fontRef idx="minor">
+              <a:schemeClr val="lt1"/>
+            </a:fontRef>
+          </p:style>
+        </p:sp>
+        <p:sp>
+          <p:nvSpPr>
+            <p:cNvPr id="16" name="Oval 15">
+              <a:extLst>
+                <a:ext uri="{FF2B5EF4-FFF2-40B4-BE49-F238E27FC236}">
+                  <a16:creationId xmlns:a16="http://schemas.microsoft.com/office/drawing/2014/main" id="{D7582733-2D5B-4103-A63C-0D0D81780468}"/>
+                </a:ext>
+                <a:ext uri="{C183D7F6-B498-43B3-948B-1728B52AA6E4}">
+                  <adec:decorative xmlns:adec="http://schemas.microsoft.com/office/drawing/2017/decorative" val="1"/>
+                </a:ext>
+              </a:extLst>
+            </p:cNvPr>
+            <p:cNvSpPr/>
+            <p:nvPr>
+              <p:extLst>
+                <p:ext uri="{386F3935-93C4-4BCD-93E2-E3B085C9AB24}">
+                  <p16:designElem xmlns:p16="http://schemas.microsoft.com/office/powerpoint/2015/main" val="1"/>
+                </p:ext>
+              </p:extLst>
+            </p:nvPr>
+          </p:nvSpPr>
+          <p:spPr>
+            <a:xfrm>
+              <a:off x="8609012" y="1676400"/>
+              <a:ext cx="2819400" cy="2819400"/>
+            </a:xfrm>
+            <a:prstGeom prst="ellipse">
+              <a:avLst/>
+            </a:prstGeom>
+            <a:gradFill flip="none" rotWithShape="1">
+              <a:gsLst>
+                <a:gs pos="0">
+                  <a:schemeClr val="accent5">
+                    <a:alpha val="7000"/>
+                  </a:schemeClr>
+                </a:gs>
+                <a:gs pos="69000">
+                  <a:schemeClr val="accent5">
+                    <a:alpha val="0"/>
+                  </a:schemeClr>
+                </a:gs>
+                <a:gs pos="36000">
+                  <a:schemeClr val="accent5">
+                    <a:alpha val="6000"/>
+                  </a:schemeClr>
+                </a:gs>
+              </a:gsLst>
+              <a:path path="circle">
+                <a:fillToRect l="50000" t="50000" r="50000" b="50000"/>
+              </a:path>
+              <a:tileRect/>
+            </a:gradFill>
+            <a:ln>
+              <a:noFill/>
+            </a:ln>
+            <a:effectLst/>
+          </p:spPr>
+          <p:style>
+            <a:lnRef idx="1">
+              <a:schemeClr val="accent1"/>
+            </a:lnRef>
+            <a:fillRef idx="3">
+              <a:schemeClr val="accent1"/>
+            </a:fillRef>
+            <a:effectRef idx="2">
+              <a:schemeClr val="accent1"/>
+            </a:effectRef>
+            <a:fontRef idx="minor">
+              <a:schemeClr val="lt1"/>
+            </a:fontRef>
+          </p:style>
+        </p:sp>
+        <p:sp>
+          <p:nvSpPr>
+            <p:cNvPr id="17" name="Oval 16">
+              <a:extLst>
+                <a:ext uri="{FF2B5EF4-FFF2-40B4-BE49-F238E27FC236}">
+                  <a16:creationId xmlns:a16="http://schemas.microsoft.com/office/drawing/2014/main" id="{6D073C2A-0E86-458E-88D4-27124FDADCAA}"/>
+                </a:ext>
+                <a:ext uri="{C183D7F6-B498-43B3-948B-1728B52AA6E4}">
+                  <adec:decorative xmlns:adec="http://schemas.microsoft.com/office/drawing/2017/decorative" val="1"/>
+                </a:ext>
+              </a:extLst>
+            </p:cNvPr>
+            <p:cNvSpPr/>
+            <p:nvPr>
+              <p:extLst>
+                <p:ext uri="{386F3935-93C4-4BCD-93E2-E3B085C9AB24}">
+                  <p16:designElem xmlns:p16="http://schemas.microsoft.com/office/powerpoint/2015/main" val="1"/>
+                </p:ext>
+              </p:extLst>
+            </p:nvPr>
+          </p:nvSpPr>
+          <p:spPr>
+            <a:xfrm>
+              <a:off x="7999412" y="8464"/>
+              <a:ext cx="1600200" cy="1600200"/>
+            </a:xfrm>
+            <a:prstGeom prst="ellipse">
+              <a:avLst/>
+            </a:prstGeom>
+            <a:gradFill flip="none" rotWithShape="1">
+              <a:gsLst>
+                <a:gs pos="0">
+                  <a:schemeClr val="accent5">
+                    <a:alpha val="14000"/>
+                  </a:schemeClr>
+                </a:gs>
+                <a:gs pos="73000">
+                  <a:schemeClr val="accent5">
+                    <a:alpha val="0"/>
+                  </a:schemeClr>
+                </a:gs>
+                <a:gs pos="36000">
+                  <a:schemeClr val="accent5">
+                    <a:alpha val="7000"/>
+                  </a:schemeClr>
+                </a:gs>
+              </a:gsLst>
+              <a:path path="circle">
+                <a:fillToRect l="50000" t="50000" r="50000" b="50000"/>
+              </a:path>
+              <a:tileRect/>
+            </a:gradFill>
+            <a:ln>
+              <a:noFill/>
+            </a:ln>
+            <a:effectLst/>
+          </p:spPr>
+          <p:style>
+            <a:lnRef idx="1">
+              <a:schemeClr val="accent1"/>
+            </a:lnRef>
+            <a:fillRef idx="3">
+              <a:schemeClr val="accent1"/>
+            </a:fillRef>
+            <a:effectRef idx="2">
+              <a:schemeClr val="accent1"/>
+            </a:effectRef>
+            <a:fontRef idx="minor">
+              <a:schemeClr val="lt1"/>
+            </a:fontRef>
+          </p:style>
+        </p:sp>
+        <p:sp>
+          <p:nvSpPr>
+            <p:cNvPr id="18" name="Freeform 5">
+              <a:extLst>
+                <a:ext uri="{FF2B5EF4-FFF2-40B4-BE49-F238E27FC236}">
+                  <a16:creationId xmlns:a16="http://schemas.microsoft.com/office/drawing/2014/main" id="{01A64F04-7AF7-48B9-A1B0-956BBCEEFE5A}"/>
+                </a:ext>
+                <a:ext uri="{C183D7F6-B498-43B3-948B-1728B52AA6E4}">
+                  <adec:decorative xmlns:adec="http://schemas.microsoft.com/office/drawing/2017/decorative" val="1"/>
+                </a:ext>
+              </a:extLst>
+            </p:cNvPr>
+            <p:cNvSpPr/>
+            <p:nvPr>
+              <p:extLst>
+                <p:ext uri="{386F3935-93C4-4BCD-93E2-E3B085C9AB24}">
+                  <p16:designElem xmlns:p16="http://schemas.microsoft.com/office/powerpoint/2015/main" val="1"/>
+                </p:ext>
+              </p:extLst>
+            </p:nvPr>
+          </p:nvSpPr>
+          <p:spPr bwMode="gray">
+            <a:xfrm rot="21010068">
+              <a:off x="8490951" y="1797517"/>
+              <a:ext cx="3299407" cy="440924"/>
+            </a:xfrm>
+            <a:custGeom>
+              <a:avLst/>
+              <a:gdLst/>
+              <a:ahLst/>
+              <a:cxnLst/>
+              <a:rect l="l" t="t" r="r" b="b"/>
+              <a:pathLst>
+                <a:path w="10000" h="5291">
+                  <a:moveTo>
+                    <a:pt x="85" y="2532"/>
+                  </a:moveTo>
+                  <a:cubicBezTo>
+                    <a:pt x="1736" y="3911"/>
+                    <a:pt x="7524" y="5298"/>
+                    <a:pt x="9958" y="5291"/>
+                  </a:cubicBezTo>
+                  <a:cubicBezTo>
+                    <a:pt x="9989" y="1958"/>
+                    <a:pt x="9969" y="3333"/>
+                    <a:pt x="10000" y="0"/>
+                  </a:cubicBezTo>
+                  <a:lnTo>
+                    <a:pt x="10000" y="0"/>
+                  </a:lnTo>
+                  <a:lnTo>
+                    <a:pt x="9667" y="204"/>
+                  </a:lnTo>
+                  <a:lnTo>
+                    <a:pt x="9334" y="400"/>
+                  </a:lnTo>
+                  <a:lnTo>
+                    <a:pt x="9001" y="590"/>
+                  </a:lnTo>
+                  <a:lnTo>
+                    <a:pt x="8667" y="753"/>
+                  </a:lnTo>
+                  <a:lnTo>
+                    <a:pt x="8333" y="917"/>
+                  </a:lnTo>
+                  <a:lnTo>
+                    <a:pt x="7999" y="1071"/>
+                  </a:lnTo>
+                  <a:lnTo>
+                    <a:pt x="7669" y="1202"/>
+                  </a:lnTo>
+                  <a:lnTo>
+                    <a:pt x="7333" y="1325"/>
+                  </a:lnTo>
+                  <a:lnTo>
+                    <a:pt x="7000" y="1440"/>
+                  </a:lnTo>
+                  <a:lnTo>
+                    <a:pt x="6673" y="1538"/>
+                  </a:lnTo>
+                  <a:lnTo>
+                    <a:pt x="6340" y="1636"/>
+                  </a:lnTo>
+                  <a:lnTo>
+                    <a:pt x="6013" y="1719"/>
+                  </a:lnTo>
+                  <a:lnTo>
+                    <a:pt x="5686" y="1784"/>
+                  </a:lnTo>
+                  <a:lnTo>
+                    <a:pt x="5359" y="1850"/>
+                  </a:lnTo>
+                  <a:lnTo>
+                    <a:pt x="5036" y="1906"/>
+                  </a:lnTo>
+                  <a:lnTo>
+                    <a:pt x="4717" y="1948"/>
+                  </a:lnTo>
+                  <a:lnTo>
+                    <a:pt x="4396" y="1980"/>
+                  </a:lnTo>
+                  <a:lnTo>
+                    <a:pt x="4079" y="2013"/>
+                  </a:lnTo>
+                  <a:lnTo>
+                    <a:pt x="3766" y="2029"/>
+                  </a:lnTo>
+                  <a:lnTo>
+                    <a:pt x="3454" y="2046"/>
+                  </a:lnTo>
+                  <a:lnTo>
+                    <a:pt x="3145" y="2053"/>
+                  </a:lnTo>
+                  <a:lnTo>
+                    <a:pt x="2839" y="2046"/>
+                  </a:lnTo>
+                  <a:lnTo>
+                    <a:pt x="2537" y="2046"/>
+                  </a:lnTo>
+                  <a:lnTo>
+                    <a:pt x="2238" y="2029"/>
+                  </a:lnTo>
+                  <a:lnTo>
+                    <a:pt x="1943" y="2004"/>
+                  </a:lnTo>
+                  <a:lnTo>
+                    <a:pt x="1653" y="1980"/>
+                  </a:lnTo>
+                  <a:lnTo>
+                    <a:pt x="1368" y="1955"/>
+                  </a:lnTo>
+                  <a:lnTo>
+                    <a:pt x="1085" y="1915"/>
+                  </a:lnTo>
+                  <a:lnTo>
+                    <a:pt x="806" y="1873"/>
+                  </a:lnTo>
+                  <a:lnTo>
+                    <a:pt x="533" y="1833"/>
+                  </a:lnTo>
+                  <a:lnTo>
+                    <a:pt x="0" y="1726"/>
+                  </a:lnTo>
+                  <a:cubicBezTo>
+                    <a:pt x="28" y="1995"/>
+                    <a:pt x="57" y="2263"/>
+                    <a:pt x="85" y="2532"/>
+                  </a:cubicBezTo>
+                  <a:close/>
+                </a:path>
+              </a:pathLst>
+            </a:custGeom>
+            <a:solidFill>
+              <a:schemeClr val="bg1">
+                <a:alpha val="20000"/>
+              </a:schemeClr>
+            </a:solidFill>
+            <a:ln>
+              <a:noFill/>
+            </a:ln>
+          </p:spPr>
+        </p:sp>
+        <p:sp>
+          <p:nvSpPr>
+            <p:cNvPr id="19" name="Freeform 5">
+              <a:extLst>
+                <a:ext uri="{FF2B5EF4-FFF2-40B4-BE49-F238E27FC236}">
+                  <a16:creationId xmlns:a16="http://schemas.microsoft.com/office/drawing/2014/main" id="{989ABE99-7694-4211-A627-459BE5422B62}"/>
+                </a:ext>
+                <a:ext uri="{C183D7F6-B498-43B3-948B-1728B52AA6E4}">
+                  <adec:decorative xmlns:adec="http://schemas.microsoft.com/office/drawing/2017/decorative" val="1"/>
+                </a:ext>
+              </a:extLst>
+            </p:cNvPr>
+            <p:cNvSpPr/>
+            <p:nvPr>
+              <p:extLst>
+                <p:ext uri="{386F3935-93C4-4BCD-93E2-E3B085C9AB24}">
+                  <p16:designElem xmlns:p16="http://schemas.microsoft.com/office/powerpoint/2015/main" val="1"/>
+                </p:ext>
+              </p:extLst>
+            </p:nvPr>
+          </p:nvSpPr>
+          <p:spPr bwMode="gray">
+            <a:xfrm>
+              <a:off x="459506" y="1866405"/>
+              <a:ext cx="11277600" cy="4533900"/>
+            </a:xfrm>
+            <a:custGeom>
+              <a:avLst/>
+              <a:gdLst/>
+              <a:ahLst/>
+              <a:cxnLst/>
+              <a:rect l="0" t="0" r="r" b="b"/>
+              <a:pathLst>
+                <a:path w="7104" h="2856">
+                  <a:moveTo>
+                    <a:pt x="0" y="0"/>
+                  </a:moveTo>
+                  <a:lnTo>
+                    <a:pt x="0" y="2856"/>
+                  </a:lnTo>
+                  <a:lnTo>
+                    <a:pt x="7104" y="2856"/>
+                  </a:lnTo>
+                  <a:lnTo>
+                    <a:pt x="7104" y="1"/>
+                  </a:lnTo>
+                  <a:lnTo>
+                    <a:pt x="7104" y="1"/>
+                  </a:lnTo>
+                  <a:lnTo>
+                    <a:pt x="6943" y="26"/>
+                  </a:lnTo>
+                  <a:lnTo>
+                    <a:pt x="6782" y="50"/>
+                  </a:lnTo>
+                  <a:lnTo>
+                    <a:pt x="6621" y="73"/>
+                  </a:lnTo>
+                  <a:lnTo>
+                    <a:pt x="6459" y="93"/>
+                  </a:lnTo>
+                  <a:lnTo>
+                    <a:pt x="6298" y="113"/>
+                  </a:lnTo>
+                  <a:lnTo>
+                    <a:pt x="6136" y="132"/>
+                  </a:lnTo>
+                  <a:lnTo>
+                    <a:pt x="5976" y="148"/>
+                  </a:lnTo>
+                  <a:lnTo>
+                    <a:pt x="5814" y="163"/>
+                  </a:lnTo>
+                  <a:lnTo>
+                    <a:pt x="5653" y="177"/>
+                  </a:lnTo>
+                  <a:lnTo>
+                    <a:pt x="5494" y="189"/>
+                  </a:lnTo>
+                  <a:lnTo>
+                    <a:pt x="5334" y="201"/>
+                  </a:lnTo>
+                  <a:lnTo>
+                    <a:pt x="5175" y="211"/>
+                  </a:lnTo>
+                  <a:lnTo>
+                    <a:pt x="5017" y="219"/>
+                  </a:lnTo>
+                  <a:lnTo>
+                    <a:pt x="4859" y="227"/>
+                  </a:lnTo>
+                  <a:lnTo>
+                    <a:pt x="4703" y="234"/>
+                  </a:lnTo>
+                  <a:lnTo>
+                    <a:pt x="4548" y="239"/>
+                  </a:lnTo>
+                  <a:lnTo>
+                    <a:pt x="4393" y="243"/>
+                  </a:lnTo>
+                  <a:lnTo>
+                    <a:pt x="4240" y="247"/>
+                  </a:lnTo>
+                  <a:lnTo>
+                    <a:pt x="4088" y="249"/>
+                  </a:lnTo>
+                  <a:lnTo>
+                    <a:pt x="3937" y="251"/>
+                  </a:lnTo>
+                  <a:lnTo>
+                    <a:pt x="3788" y="252"/>
+                  </a:lnTo>
+                  <a:lnTo>
+                    <a:pt x="3640" y="251"/>
+                  </a:lnTo>
+                  <a:lnTo>
+                    <a:pt x="3494" y="251"/>
+                  </a:lnTo>
+                  <a:lnTo>
+                    <a:pt x="3349" y="249"/>
+                  </a:lnTo>
+                  <a:lnTo>
+                    <a:pt x="3207" y="246"/>
+                  </a:lnTo>
+                  <a:lnTo>
+                    <a:pt x="3066" y="243"/>
+                  </a:lnTo>
+                  <a:lnTo>
+                    <a:pt x="2928" y="240"/>
+                  </a:lnTo>
+                  <a:lnTo>
+                    <a:pt x="2791" y="235"/>
+                  </a:lnTo>
+                  <a:lnTo>
+                    <a:pt x="2656" y="230"/>
+                  </a:lnTo>
+                  <a:lnTo>
+                    <a:pt x="2524" y="225"/>
+                  </a:lnTo>
+                  <a:lnTo>
+                    <a:pt x="2266" y="212"/>
+                  </a:lnTo>
+                  <a:lnTo>
+                    <a:pt x="2019" y="198"/>
+                  </a:lnTo>
+                  <a:lnTo>
+                    <a:pt x="1782" y="183"/>
+                  </a:lnTo>
+                  <a:lnTo>
+                    <a:pt x="1557" y="167"/>
+                  </a:lnTo>
+                  <a:lnTo>
+                    <a:pt x="1343" y="150"/>
+                  </a:lnTo>
+                  <a:lnTo>
+                    <a:pt x="1144" y="132"/>
+                  </a:lnTo>
+                  <a:lnTo>
+                    <a:pt x="957" y="114"/>
+                  </a:lnTo>
+                  <a:lnTo>
+                    <a:pt x="785" y="96"/>
+                  </a:lnTo>
+                  <a:lnTo>
+                    <a:pt x="627" y="79"/>
+                  </a:lnTo>
+                  <a:lnTo>
+                    <a:pt x="487" y="63"/>
+                  </a:lnTo>
+                  <a:lnTo>
+                    <a:pt x="361" y="48"/>
+                  </a:lnTo>
+                  <a:lnTo>
+                    <a:pt x="254" y="35"/>
+                  </a:lnTo>
+                  <a:lnTo>
+                    <a:pt x="165" y="23"/>
+                  </a:lnTo>
+                  <a:lnTo>
+                    <a:pt x="42" y="6"/>
+                  </a:lnTo>
+                  <a:lnTo>
+                    <a:pt x="0" y="0"/>
+                  </a:lnTo>
+                  <a:lnTo>
+                    <a:pt x="0" y="0"/>
+                  </a:lnTo>
+                  <a:close/>
+                </a:path>
+              </a:pathLst>
+            </a:custGeom>
+            <a:solidFill>
+              <a:schemeClr val="bg1"/>
+            </a:solidFill>
+            <a:ln>
+              <a:noFill/>
+            </a:ln>
+          </p:spPr>
+        </p:sp>
+        <p:sp>
+          <p:nvSpPr>
+            <p:cNvPr id="20" name="Freeform 5">
+              <a:extLst>
+                <a:ext uri="{FF2B5EF4-FFF2-40B4-BE49-F238E27FC236}">
+                  <a16:creationId xmlns:a16="http://schemas.microsoft.com/office/drawing/2014/main" id="{254B4214-6F53-497C-8322-9CE8158AA335}"/>
+                </a:ext>
+                <a:ext uri="{C183D7F6-B498-43B3-948B-1728B52AA6E4}">
+                  <adec:decorative xmlns:adec="http://schemas.microsoft.com/office/drawing/2017/decorative" val="1"/>
+                </a:ext>
+              </a:extLst>
+            </p:cNvPr>
+            <p:cNvSpPr>
+              <a:spLocks noEditPoints="1"/>
+            </p:cNvSpPr>
+            <p:nvPr>
+              <p:extLst>
+                <p:ext uri="{386F3935-93C4-4BCD-93E2-E3B085C9AB24}">
+                  <p16:designElem xmlns:p16="http://schemas.microsoft.com/office/powerpoint/2015/main" val="1"/>
+                </p:ext>
+              </p:extLst>
+            </p:nvPr>
+          </p:nvSpPr>
+          <p:spPr bwMode="gray">
+            <a:xfrm>
+              <a:off x="0" y="1587"/>
+              <a:ext cx="12192000" cy="6856413"/>
+            </a:xfrm>
+            <a:custGeom>
+              <a:avLst/>
+              <a:gdLst/>
+              <a:ahLst/>
+              <a:cxnLst/>
+              <a:rect l="0" t="0" r="r" b="b"/>
+              <a:pathLst>
+                <a:path w="15356" h="8638">
+                  <a:moveTo>
+                    <a:pt x="0" y="0"/>
+                  </a:moveTo>
+                  <a:lnTo>
+                    <a:pt x="0" y="8638"/>
+                  </a:lnTo>
+                  <a:lnTo>
+                    <a:pt x="15356" y="8638"/>
+                  </a:lnTo>
+                  <a:lnTo>
+                    <a:pt x="15356" y="0"/>
+                  </a:lnTo>
+                  <a:lnTo>
+                    <a:pt x="0" y="0"/>
+                  </a:lnTo>
+                  <a:close/>
+                  <a:moveTo>
+                    <a:pt x="14748" y="8038"/>
+                  </a:moveTo>
+                  <a:lnTo>
+                    <a:pt x="600" y="8038"/>
+                  </a:lnTo>
+                  <a:lnTo>
+                    <a:pt x="600" y="592"/>
+                  </a:lnTo>
+                  <a:lnTo>
+                    <a:pt x="14748" y="592"/>
+                  </a:lnTo>
+                  <a:lnTo>
+                    <a:pt x="14748" y="8038"/>
+                  </a:lnTo>
+                  <a:close/>
+                </a:path>
+              </a:pathLst>
+            </a:custGeom>
+            <a:solidFill>
+              <a:schemeClr val="bg1"/>
+            </a:solidFill>
+            <a:ln>
+              <a:noFill/>
+            </a:ln>
+          </p:spPr>
+        </p:sp>
+      </p:grpSp>
+      <p:sp>
+        <p:nvSpPr>
+          <p:cNvPr id="22" name="Rectangle 21">
+            <a:extLst>
+              <a:ext uri="{FF2B5EF4-FFF2-40B4-BE49-F238E27FC236}">
+                <a16:creationId xmlns:a16="http://schemas.microsoft.com/office/drawing/2014/main" id="{20E145FF-1D18-4246-A2BA-9F6B4D53364C}"/>
+              </a:ext>
+              <a:ext uri="{C183D7F6-B498-43B3-948B-1728B52AA6E4}">
+                <adec:decorative xmlns:adec="http://schemas.microsoft.com/office/drawing/2017/decorative" val="1"/>
+              </a:ext>
+            </a:extLst>
+          </p:cNvPr>
+          <p:cNvSpPr>
+            <a:spLocks noGrp="1" noRot="1" noChangeAspect="1" noMove="1" noResize="1" noEditPoints="1" noAdjustHandles="1" noChangeArrowheads="1" noChangeShapeType="1" noTextEdit="1"/>
+          </p:cNvSpPr>
+          <p:nvPr>
+            <p:extLst>
+              <p:ext uri="{386F3935-93C4-4BCD-93E2-E3B085C9AB24}">
+                <p16:designElem xmlns:p16="http://schemas.microsoft.com/office/powerpoint/2015/main" val="1"/>
+              </p:ext>
+            </p:extLst>
+          </p:nvPr>
+        </p:nvSpPr>
+        <p:spPr>
+          <a:xfrm>
+            <a:off x="10437812" y="0"/>
+            <a:ext cx="685800" cy="1143000"/>
+          </a:xfrm>
+          <a:prstGeom prst="rect">
+            <a:avLst/>
+          </a:prstGeom>
+          <a:solidFill>
+            <a:schemeClr val="accent1"/>
+          </a:solidFill>
+          <a:ln>
+            <a:noFill/>
+          </a:ln>
+        </p:spPr>
+        <p:style>
+          <a:lnRef idx="1">
+            <a:schemeClr val="accent1"/>
+          </a:lnRef>
+          <a:fillRef idx="3">
+            <a:schemeClr val="accent1"/>
+          </a:fillRef>
+          <a:effectRef idx="2">
+            <a:schemeClr val="accent1"/>
+          </a:effectRef>
+          <a:fontRef idx="minor">
+            <a:schemeClr val="lt1"/>
+          </a:fontRef>
+        </p:style>
+      </p:sp>
+      <p:sp useBgFill="1">
+        <p:nvSpPr>
+          <p:cNvPr id="24" name="Rectangle 23">
+            <a:extLst>
+              <a:ext uri="{FF2B5EF4-FFF2-40B4-BE49-F238E27FC236}">
+                <a16:creationId xmlns:a16="http://schemas.microsoft.com/office/drawing/2014/main" id="{324E43EB-867C-4B35-9A5C-E435157C7297}"/>
+              </a:ext>
+              <a:ext uri="{C183D7F6-B498-43B3-948B-1728B52AA6E4}">
+                <adec:decorative xmlns:adec="http://schemas.microsoft.com/office/drawing/2017/decorative" val="1"/>
+              </a:ext>
+            </a:extLst>
+          </p:cNvPr>
+          <p:cNvSpPr>
+            <a:spLocks noGrp="1" noRot="1" noChangeAspect="1" noMove="1" noResize="1" noEditPoints="1" noAdjustHandles="1" noChangeArrowheads="1" noChangeShapeType="1" noTextEdit="1"/>
+          </p:cNvSpPr>
+          <p:nvPr>
+            <p:extLst>
+              <p:ext uri="{386F3935-93C4-4BCD-93E2-E3B085C9AB24}">
+                <p16:designElem xmlns:p16="http://schemas.microsoft.com/office/powerpoint/2015/main" val="1"/>
+              </p:ext>
+            </p:extLst>
+          </p:nvPr>
+        </p:nvSpPr>
+        <p:spPr>
+          <a:xfrm>
+            <a:off x="0" y="0"/>
+            <a:ext cx="12192000" cy="6858000"/>
+          </a:xfrm>
+          <a:prstGeom prst="rect">
+            <a:avLst/>
+          </a:prstGeom>
+          <a:ln>
+            <a:noFill/>
+          </a:ln>
+        </p:spPr>
+        <p:style>
+          <a:lnRef idx="2">
+            <a:schemeClr val="accent1">
+              <a:shade val="50000"/>
+            </a:schemeClr>
+          </a:lnRef>
+          <a:fillRef idx="1">
+            <a:schemeClr val="accent1"/>
+          </a:fillRef>
+          <a:effectRef idx="0">
+            <a:schemeClr val="accent1"/>
+          </a:effectRef>
+          <a:fontRef idx="minor">
+            <a:schemeClr val="lt1"/>
+          </a:fontRef>
+        </p:style>
+        <p:txBody>
+          <a:bodyPr rtlCol="0" anchor="ctr"/>
+          <a:lstStyle/>
+          <a:p>
+            <a:pPr algn="ctr"/>
+            <a:endParaRPr lang="en-US"/>
+          </a:p>
+        </p:txBody>
+      </p:sp>
+      <p:sp>
+        <p:nvSpPr>
+          <p:cNvPr id="26" name="Rectangle 25">
+            <a:extLst>
+              <a:ext uri="{FF2B5EF4-FFF2-40B4-BE49-F238E27FC236}">
+                <a16:creationId xmlns:a16="http://schemas.microsoft.com/office/drawing/2014/main" id="{A7C0F5DA-B59F-4F13-8BB8-FFD8F2C572BC}"/>
+              </a:ext>
+              <a:ext uri="{C183D7F6-B498-43B3-948B-1728B52AA6E4}">
+                <adec:decorative xmlns:adec="http://schemas.microsoft.com/office/drawing/2017/decorative" val="1"/>
+              </a:ext>
+            </a:extLst>
+          </p:cNvPr>
+          <p:cNvSpPr>
+            <a:spLocks noGrp="1" noRot="1" noChangeAspect="1" noMove="1" noResize="1" noEditPoints="1" noAdjustHandles="1" noChangeArrowheads="1" noChangeShapeType="1" noTextEdit="1"/>
+          </p:cNvSpPr>
+          <p:nvPr>
+            <p:extLst>
+              <p:ext uri="{386F3935-93C4-4BCD-93E2-E3B085C9AB24}">
+                <p16:designElem xmlns:p16="http://schemas.microsoft.com/office/powerpoint/2015/main" val="1"/>
+              </p:ext>
+            </p:extLst>
+          </p:nvPr>
+        </p:nvSpPr>
+        <p:spPr>
+          <a:xfrm>
+            <a:off x="0" y="0"/>
+            <a:ext cx="12192000" cy="6858000"/>
+          </a:xfrm>
+          <a:prstGeom prst="rect">
+            <a:avLst/>
+          </a:prstGeom>
+          <a:ln>
+            <a:noFill/>
+          </a:ln>
+        </p:spPr>
+        <p:style>
+          <a:lnRef idx="2">
+            <a:schemeClr val="accent1">
+              <a:shade val="50000"/>
+            </a:schemeClr>
+          </a:lnRef>
+          <a:fillRef idx="1003">
+            <a:schemeClr val="dk2"/>
+          </a:fillRef>
+          <a:effectRef idx="0">
+            <a:schemeClr val="accent1"/>
+          </a:effectRef>
+          <a:fontRef idx="minor">
+            <a:schemeClr val="lt1"/>
+          </a:fontRef>
+        </p:style>
+      </p:sp>
+      <p:sp>
+        <p:nvSpPr>
+          <p:cNvPr id="28" name="Freeform 5">
+            <a:extLst>
+              <a:ext uri="{FF2B5EF4-FFF2-40B4-BE49-F238E27FC236}">
+                <a16:creationId xmlns:a16="http://schemas.microsoft.com/office/drawing/2014/main" id="{9CEA1DEC-CC9E-4776-9E08-048A15BFA6CA}"/>
+              </a:ext>
+              <a:ext uri="{C183D7F6-B498-43B3-948B-1728B52AA6E4}">
+                <adec:decorative xmlns:adec="http://schemas.microsoft.com/office/drawing/2017/decorative" val="1"/>
+              </a:ext>
+            </a:extLst>
+          </p:cNvPr>
+          <p:cNvSpPr>
+            <a:spLocks noGrp="1" noRot="1" noChangeAspect="1" noMove="1" noResize="1" noEditPoints="1" noAdjustHandles="1" noChangeArrowheads="1" noChangeShapeType="1" noTextEdit="1"/>
+          </p:cNvSpPr>
+          <p:nvPr>
+            <p:extLst>
+              <p:ext uri="{386F3935-93C4-4BCD-93E2-E3B085C9AB24}">
+                <p16:designElem xmlns:p16="http://schemas.microsoft.com/office/powerpoint/2015/main" val="1"/>
+              </p:ext>
+            </p:extLst>
+          </p:nvPr>
+        </p:nvSpPr>
+        <p:spPr bwMode="gray">
+          <a:xfrm rot="15922489">
+            <a:off x="3140485" y="1826078"/>
+            <a:ext cx="3299407" cy="440924"/>
+          </a:xfrm>
+          <a:custGeom>
+            <a:avLst/>
+            <a:gdLst/>
+            <a:ahLst/>
+            <a:cxnLst/>
+            <a:rect l="l" t="t" r="r" b="b"/>
+            <a:pathLst>
+              <a:path w="10000" h="5291">
+                <a:moveTo>
+                  <a:pt x="85" y="2532"/>
+                </a:moveTo>
+                <a:cubicBezTo>
+                  <a:pt x="1736" y="3911"/>
+                  <a:pt x="7524" y="5298"/>
+                  <a:pt x="9958" y="5291"/>
+                </a:cubicBezTo>
+                <a:cubicBezTo>
+                  <a:pt x="9989" y="1958"/>
+                  <a:pt x="9969" y="3333"/>
+                  <a:pt x="10000" y="0"/>
+                </a:cubicBezTo>
+                <a:lnTo>
+                  <a:pt x="10000" y="0"/>
+                </a:lnTo>
+                <a:lnTo>
+                  <a:pt x="9667" y="204"/>
+                </a:lnTo>
+                <a:lnTo>
+                  <a:pt x="9334" y="400"/>
+                </a:lnTo>
+                <a:lnTo>
+                  <a:pt x="9001" y="590"/>
+                </a:lnTo>
+                <a:lnTo>
+                  <a:pt x="8667" y="753"/>
+                </a:lnTo>
+                <a:lnTo>
+                  <a:pt x="8333" y="917"/>
+                </a:lnTo>
+                <a:lnTo>
+                  <a:pt x="7999" y="1071"/>
+                </a:lnTo>
+                <a:lnTo>
+                  <a:pt x="7669" y="1202"/>
+                </a:lnTo>
+                <a:lnTo>
+                  <a:pt x="7333" y="1325"/>
+                </a:lnTo>
+                <a:lnTo>
+                  <a:pt x="7000" y="1440"/>
+                </a:lnTo>
+                <a:lnTo>
+                  <a:pt x="6673" y="1538"/>
+                </a:lnTo>
+                <a:lnTo>
+                  <a:pt x="6340" y="1636"/>
+                </a:lnTo>
+                <a:lnTo>
+                  <a:pt x="6013" y="1719"/>
+                </a:lnTo>
+                <a:lnTo>
+                  <a:pt x="5686" y="1784"/>
+                </a:lnTo>
+                <a:lnTo>
+                  <a:pt x="5359" y="1850"/>
+                </a:lnTo>
+                <a:lnTo>
+                  <a:pt x="5036" y="1906"/>
+                </a:lnTo>
+                <a:lnTo>
+                  <a:pt x="4717" y="1948"/>
+                </a:lnTo>
+                <a:lnTo>
+                  <a:pt x="4396" y="1980"/>
+                </a:lnTo>
+                <a:lnTo>
+                  <a:pt x="4079" y="2013"/>
+                </a:lnTo>
+                <a:lnTo>
+                  <a:pt x="3766" y="2029"/>
+                </a:lnTo>
+                <a:lnTo>
+                  <a:pt x="3454" y="2046"/>
+                </a:lnTo>
+                <a:lnTo>
+                  <a:pt x="3145" y="2053"/>
+                </a:lnTo>
+                <a:lnTo>
+                  <a:pt x="2839" y="2046"/>
+                </a:lnTo>
+                <a:lnTo>
+                  <a:pt x="2537" y="2046"/>
+                </a:lnTo>
+                <a:lnTo>
+                  <a:pt x="2238" y="2029"/>
+                </a:lnTo>
+                <a:lnTo>
+                  <a:pt x="1943" y="2004"/>
+                </a:lnTo>
+                <a:lnTo>
+                  <a:pt x="1653" y="1980"/>
+                </a:lnTo>
+                <a:lnTo>
+                  <a:pt x="1368" y="1955"/>
+                </a:lnTo>
+                <a:lnTo>
+                  <a:pt x="1085" y="1915"/>
+                </a:lnTo>
+                <a:lnTo>
+                  <a:pt x="806" y="1873"/>
+                </a:lnTo>
+                <a:lnTo>
+                  <a:pt x="533" y="1833"/>
+                </a:lnTo>
+                <a:lnTo>
+                  <a:pt x="0" y="1726"/>
+                </a:lnTo>
+                <a:cubicBezTo>
+                  <a:pt x="28" y="1995"/>
+                  <a:pt x="57" y="2263"/>
+                  <a:pt x="85" y="2532"/>
+                </a:cubicBezTo>
+                <a:close/>
+              </a:path>
+            </a:pathLst>
+          </a:custGeom>
+          <a:solidFill>
+            <a:schemeClr val="bg1">
+              <a:alpha val="20000"/>
+            </a:schemeClr>
+          </a:solidFill>
+          <a:ln>
+            <a:noFill/>
+          </a:ln>
+        </p:spPr>
+      </p:sp>
+      <p:sp>
+        <p:nvSpPr>
+          <p:cNvPr id="30" name="Freeform: Shape 29">
+            <a:extLst>
+              <a:ext uri="{FF2B5EF4-FFF2-40B4-BE49-F238E27FC236}">
+                <a16:creationId xmlns:a16="http://schemas.microsoft.com/office/drawing/2014/main" id="{9CE399CF-F4B8-4832-A8CB-B93F6B1EF44B}"/>
+              </a:ext>
+              <a:ext uri="{C183D7F6-B498-43B3-948B-1728B52AA6E4}">
+                <adec:decorative xmlns:adec="http://schemas.microsoft.com/office/drawing/2017/decorative" val="1"/>
+              </a:ext>
+            </a:extLst>
+          </p:cNvPr>
+          <p:cNvSpPr>
+            <a:spLocks noGrp="1" noRot="1" noChangeAspect="1" noMove="1" noResize="1" noEditPoints="1" noAdjustHandles="1" noChangeArrowheads="1" noChangeShapeType="1" noTextEdit="1"/>
+          </p:cNvSpPr>
+          <p:nvPr>
+            <p:extLst>
+              <p:ext uri="{386F3935-93C4-4BCD-93E2-E3B085C9AB24}">
+                <p16:designElem xmlns:p16="http://schemas.microsoft.com/office/powerpoint/2015/main" val="1"/>
+              </p:ext>
+            </p:extLst>
+          </p:nvPr>
+        </p:nvSpPr>
+        <p:spPr bwMode="gray">
+          <a:xfrm rot="16200000">
+            <a:off x="5171964" y="-140866"/>
+            <a:ext cx="6053670" cy="7139732"/>
+          </a:xfrm>
+          <a:custGeom>
+            <a:avLst/>
+            <a:gdLst>
+              <a:gd name="connsiteX0" fmla="*/ 6053670 w 6053670"/>
+              <a:gd name="connsiteY0" fmla="*/ 1098 h 7139732"/>
+              <a:gd name="connsiteX1" fmla="*/ 6053670 w 6053670"/>
+              <a:gd name="connsiteY1" fmla="*/ 1084479 h 7139732"/>
+              <a:gd name="connsiteX2" fmla="*/ 6053670 w 6053670"/>
+              <a:gd name="connsiteY2" fmla="*/ 1254558 h 7139732"/>
+              <a:gd name="connsiteX3" fmla="*/ 6053670 w 6053670"/>
+              <a:gd name="connsiteY3" fmla="*/ 7139732 h 7139732"/>
+              <a:gd name="connsiteX4" fmla="*/ 0 w 6053670"/>
+              <a:gd name="connsiteY4" fmla="*/ 7139732 h 7139732"/>
+              <a:gd name="connsiteX5" fmla="*/ 0 w 6053670"/>
+              <a:gd name="connsiteY5" fmla="*/ 1249853 h 7139732"/>
+              <a:gd name="connsiteX6" fmla="*/ 0 w 6053670"/>
+              <a:gd name="connsiteY6" fmla="*/ 1084479 h 7139732"/>
+              <a:gd name="connsiteX7" fmla="*/ 0 w 6053670"/>
+              <a:gd name="connsiteY7" fmla="*/ 0 h 7139732"/>
+              <a:gd name="connsiteX8" fmla="*/ 35717 w 6053670"/>
+              <a:gd name="connsiteY8" fmla="*/ 5488 h 7139732"/>
+              <a:gd name="connsiteX9" fmla="*/ 140445 w 6053670"/>
+              <a:gd name="connsiteY9" fmla="*/ 21641 h 7139732"/>
+              <a:gd name="connsiteX10" fmla="*/ 216722 w 6053670"/>
+              <a:gd name="connsiteY10" fmla="*/ 32932 h 7139732"/>
+              <a:gd name="connsiteX11" fmla="*/ 307527 w 6053670"/>
+              <a:gd name="connsiteY11" fmla="*/ 44850 h 7139732"/>
+              <a:gd name="connsiteX12" fmla="*/ 415282 w 6053670"/>
+              <a:gd name="connsiteY12" fmla="*/ 59121 h 7139732"/>
+              <a:gd name="connsiteX13" fmla="*/ 534539 w 6053670"/>
+              <a:gd name="connsiteY13" fmla="*/ 74175 h 7139732"/>
+              <a:gd name="connsiteX14" fmla="*/ 668931 w 6053670"/>
+              <a:gd name="connsiteY14" fmla="*/ 90014 h 7139732"/>
+              <a:gd name="connsiteX15" fmla="*/ 815430 w 6053670"/>
+              <a:gd name="connsiteY15" fmla="*/ 106794 h 7139732"/>
+              <a:gd name="connsiteX16" fmla="*/ 974641 w 6053670"/>
+              <a:gd name="connsiteY16" fmla="*/ 123574 h 7139732"/>
+              <a:gd name="connsiteX17" fmla="*/ 1144144 w 6053670"/>
+              <a:gd name="connsiteY17" fmla="*/ 140667 h 7139732"/>
+              <a:gd name="connsiteX18" fmla="*/ 1326965 w 6053670"/>
+              <a:gd name="connsiteY18" fmla="*/ 156506 h 7139732"/>
+              <a:gd name="connsiteX19" fmla="*/ 1518261 w 6053670"/>
+              <a:gd name="connsiteY19" fmla="*/ 171717 h 7139732"/>
+              <a:gd name="connsiteX20" fmla="*/ 1720453 w 6053670"/>
+              <a:gd name="connsiteY20" fmla="*/ 185518 h 7139732"/>
+              <a:gd name="connsiteX21" fmla="*/ 1931121 w 6053670"/>
+              <a:gd name="connsiteY21" fmla="*/ 198690 h 7139732"/>
+              <a:gd name="connsiteX22" fmla="*/ 2150869 w 6053670"/>
+              <a:gd name="connsiteY22" fmla="*/ 211079 h 7139732"/>
+              <a:gd name="connsiteX23" fmla="*/ 2263467 w 6053670"/>
+              <a:gd name="connsiteY23" fmla="*/ 215470 h 7139732"/>
+              <a:gd name="connsiteX24" fmla="*/ 2378487 w 6053670"/>
+              <a:gd name="connsiteY24" fmla="*/ 220332 h 7139732"/>
+              <a:gd name="connsiteX25" fmla="*/ 2495323 w 6053670"/>
+              <a:gd name="connsiteY25" fmla="*/ 224879 h 7139732"/>
+              <a:gd name="connsiteX26" fmla="*/ 2612764 w 6053670"/>
+              <a:gd name="connsiteY26" fmla="*/ 227859 h 7139732"/>
+              <a:gd name="connsiteX27" fmla="*/ 2732627 w 6053670"/>
+              <a:gd name="connsiteY27" fmla="*/ 230525 h 7139732"/>
+              <a:gd name="connsiteX28" fmla="*/ 2853700 w 6053670"/>
+              <a:gd name="connsiteY28" fmla="*/ 233348 h 7139732"/>
+              <a:gd name="connsiteX29" fmla="*/ 2977195 w 6053670"/>
+              <a:gd name="connsiteY29" fmla="*/ 235229 h 7139732"/>
+              <a:gd name="connsiteX30" fmla="*/ 3101901 w 6053670"/>
+              <a:gd name="connsiteY30" fmla="*/ 235229 h 7139732"/>
+              <a:gd name="connsiteX31" fmla="*/ 3227817 w 6053670"/>
+              <a:gd name="connsiteY31" fmla="*/ 236170 h 7139732"/>
+              <a:gd name="connsiteX32" fmla="*/ 3354944 w 6053670"/>
+              <a:gd name="connsiteY32" fmla="*/ 235229 h 7139732"/>
+              <a:gd name="connsiteX33" fmla="*/ 3483887 w 6053670"/>
+              <a:gd name="connsiteY33" fmla="*/ 233348 h 7139732"/>
+              <a:gd name="connsiteX34" fmla="*/ 3612830 w 6053670"/>
+              <a:gd name="connsiteY34" fmla="*/ 231623 h 7139732"/>
+              <a:gd name="connsiteX35" fmla="*/ 3743590 w 6053670"/>
+              <a:gd name="connsiteY35" fmla="*/ 227859 h 7139732"/>
+              <a:gd name="connsiteX36" fmla="*/ 3875560 w 6053670"/>
+              <a:gd name="connsiteY36" fmla="*/ 223938 h 7139732"/>
+              <a:gd name="connsiteX37" fmla="*/ 4007530 w 6053670"/>
+              <a:gd name="connsiteY37" fmla="*/ 219391 h 7139732"/>
+              <a:gd name="connsiteX38" fmla="*/ 4140710 w 6053670"/>
+              <a:gd name="connsiteY38" fmla="*/ 212961 h 7139732"/>
+              <a:gd name="connsiteX39" fmla="*/ 4275102 w 6053670"/>
+              <a:gd name="connsiteY39" fmla="*/ 205277 h 7139732"/>
+              <a:gd name="connsiteX40" fmla="*/ 4410098 w 6053670"/>
+              <a:gd name="connsiteY40" fmla="*/ 197907 h 7139732"/>
+              <a:gd name="connsiteX41" fmla="*/ 4545096 w 6053670"/>
+              <a:gd name="connsiteY41" fmla="*/ 188498 h 7139732"/>
+              <a:gd name="connsiteX42" fmla="*/ 4681909 w 6053670"/>
+              <a:gd name="connsiteY42" fmla="*/ 177207 h 7139732"/>
+              <a:gd name="connsiteX43" fmla="*/ 4816905 w 6053670"/>
+              <a:gd name="connsiteY43" fmla="*/ 165916 h 7139732"/>
+              <a:gd name="connsiteX44" fmla="*/ 4954323 w 6053670"/>
+              <a:gd name="connsiteY44" fmla="*/ 152899 h 7139732"/>
+              <a:gd name="connsiteX45" fmla="*/ 5092347 w 6053670"/>
+              <a:gd name="connsiteY45" fmla="*/ 138629 h 7139732"/>
+              <a:gd name="connsiteX46" fmla="*/ 5228555 w 6053670"/>
+              <a:gd name="connsiteY46" fmla="*/ 123574 h 7139732"/>
+              <a:gd name="connsiteX47" fmla="*/ 5366578 w 6053670"/>
+              <a:gd name="connsiteY47" fmla="*/ 106010 h 7139732"/>
+              <a:gd name="connsiteX48" fmla="*/ 5503997 w 6053670"/>
+              <a:gd name="connsiteY48" fmla="*/ 87192 h 7139732"/>
+              <a:gd name="connsiteX49" fmla="*/ 5642020 w 6053670"/>
+              <a:gd name="connsiteY49" fmla="*/ 68530 h 7139732"/>
+              <a:gd name="connsiteX50" fmla="*/ 5779438 w 6053670"/>
+              <a:gd name="connsiteY50" fmla="*/ 46733 h 7139732"/>
+              <a:gd name="connsiteX51" fmla="*/ 5916251 w 6053670"/>
+              <a:gd name="connsiteY51" fmla="*/ 24464 h 7139732"/>
+            </a:gdLst>
+            <a:ahLst/>
+            <a:cxnLst>
+              <a:cxn ang="0">
+                <a:pos x="connsiteX0" y="connsiteY0"/>
+              </a:cxn>
+              <a:cxn ang="0">
+                <a:pos x="connsiteX1" y="connsiteY1"/>
+              </a:cxn>
+              <a:cxn ang="0">
+                <a:pos x="connsiteX2" y="connsiteY2"/>
+              </a:cxn>
+              <a:cxn ang="0">
+                <a:pos x="connsiteX3" y="connsiteY3"/>
+              </a:cxn>
+              <a:cxn ang="0">
+                <a:pos x="connsiteX4" y="connsiteY4"/>
+              </a:cxn>
+              <a:cxn ang="0">
+                <a:pos x="connsiteX5" y="connsiteY5"/>
+              </a:cxn>
+              <a:cxn ang="0">
+                <a:pos x="connsiteX6" y="connsiteY6"/>
+              </a:cxn>
+              <a:cxn ang="0">
+                <a:pos x="connsiteX7" y="connsiteY7"/>
+              </a:cxn>
+              <a:cxn ang="0">
+                <a:pos x="connsiteX8" y="connsiteY8"/>
+              </a:cxn>
+              <a:cxn ang="0">
+                <a:pos x="connsiteX9" y="connsiteY9"/>
+              </a:cxn>
+              <a:cxn ang="0">
+                <a:pos x="connsiteX10" y="connsiteY10"/>
+              </a:cxn>
+              <a:cxn ang="0">
+                <a:pos x="connsiteX11" y="connsiteY11"/>
+              </a:cxn>
+              <a:cxn ang="0">
+                <a:pos x="connsiteX12" y="connsiteY12"/>
+              </a:cxn>
+              <a:cxn ang="0">
+                <a:pos x="connsiteX13" y="connsiteY13"/>
+              </a:cxn>
+              <a:cxn ang="0">
+                <a:pos x="connsiteX14" y="connsiteY14"/>
+              </a:cxn>
+              <a:cxn ang="0">
+                <a:pos x="connsiteX15" y="connsiteY15"/>
+              </a:cxn>
+              <a:cxn ang="0">
+                <a:pos x="connsiteX16" y="connsiteY16"/>
+              </a:cxn>
+              <a:cxn ang="0">
+                <a:pos x="connsiteX17" y="connsiteY17"/>
+              </a:cxn>
+              <a:cxn ang="0">
+                <a:pos x="connsiteX18" y="connsiteY18"/>
+              </a:cxn>
+              <a:cxn ang="0">
+                <a:pos x="connsiteX19" y="connsiteY19"/>
+              </a:cxn>
+              <a:cxn ang="0">
+                <a:pos x="connsiteX20" y="connsiteY20"/>
+              </a:cxn>
+              <a:cxn ang="0">
+                <a:pos x="connsiteX21" y="connsiteY21"/>
+              </a:cxn>
+              <a:cxn ang="0">
+                <a:pos x="connsiteX22" y="connsiteY22"/>
+              </a:cxn>
+              <a:cxn ang="0">
+                <a:pos x="connsiteX23" y="connsiteY23"/>
+              </a:cxn>
+              <a:cxn ang="0">
+                <a:pos x="connsiteX24" y="connsiteY24"/>
+              </a:cxn>
+              <a:cxn ang="0">
+                <a:pos x="connsiteX25" y="connsiteY25"/>
+              </a:cxn>
+              <a:cxn ang="0">
+                <a:pos x="connsiteX26" y="connsiteY26"/>
+              </a:cxn>
+              <a:cxn ang="0">
+                <a:pos x="connsiteX27" y="connsiteY27"/>
+              </a:cxn>
+              <a:cxn ang="0">
+                <a:pos x="connsiteX28" y="connsiteY28"/>
+              </a:cxn>
+              <a:cxn ang="0">
+                <a:pos x="connsiteX29" y="connsiteY29"/>
+              </a:cxn>
+              <a:cxn ang="0">
+                <a:pos x="connsiteX30" y="connsiteY30"/>
+              </a:cxn>
+              <a:cxn ang="0">
+                <a:pos x="connsiteX31" y="connsiteY31"/>
+              </a:cxn>
+              <a:cxn ang="0">
+                <a:pos x="connsiteX32" y="connsiteY32"/>
+              </a:cxn>
+              <a:cxn ang="0">
+                <a:pos x="connsiteX33" y="connsiteY33"/>
+              </a:cxn>
+              <a:cxn ang="0">
+                <a:pos x="connsiteX34" y="connsiteY34"/>
+              </a:cxn>
+              <a:cxn ang="0">
+                <a:pos x="connsiteX35" y="connsiteY35"/>
+              </a:cxn>
+              <a:cxn ang="0">
+                <a:pos x="connsiteX36" y="connsiteY36"/>
+              </a:cxn>
+              <a:cxn ang="0">
+                <a:pos x="connsiteX37" y="connsiteY37"/>
+              </a:cxn>
+              <a:cxn ang="0">
+                <a:pos x="connsiteX38" y="connsiteY38"/>
+              </a:cxn>
+              <a:cxn ang="0">
+                <a:pos x="connsiteX39" y="connsiteY39"/>
+              </a:cxn>
+              <a:cxn ang="0">
+                <a:pos x="connsiteX40" y="connsiteY40"/>
+              </a:cxn>
+              <a:cxn ang="0">
+                <a:pos x="connsiteX41" y="connsiteY41"/>
+              </a:cxn>
+              <a:cxn ang="0">
+                <a:pos x="connsiteX42" y="connsiteY42"/>
+              </a:cxn>
+              <a:cxn ang="0">
+                <a:pos x="connsiteX43" y="connsiteY43"/>
+              </a:cxn>
+              <a:cxn ang="0">
+                <a:pos x="connsiteX44" y="connsiteY44"/>
+              </a:cxn>
+              <a:cxn ang="0">
+                <a:pos x="connsiteX45" y="connsiteY45"/>
+              </a:cxn>
+              <a:cxn ang="0">
+                <a:pos x="connsiteX46" y="connsiteY46"/>
+              </a:cxn>
+              <a:cxn ang="0">
+                <a:pos x="connsiteX47" y="connsiteY47"/>
+              </a:cxn>
+              <a:cxn ang="0">
+                <a:pos x="connsiteX48" y="connsiteY48"/>
+              </a:cxn>
+              <a:cxn ang="0">
+                <a:pos x="connsiteX49" y="connsiteY49"/>
+              </a:cxn>
+              <a:cxn ang="0">
+                <a:pos x="connsiteX50" y="connsiteY50"/>
+              </a:cxn>
+              <a:cxn ang="0">
+                <a:pos x="connsiteX51" y="connsiteY51"/>
+              </a:cxn>
+            </a:cxnLst>
+            <a:rect l="l" t="t" r="r" b="b"/>
+            <a:pathLst>
+              <a:path w="6053670" h="7139732">
+                <a:moveTo>
+                  <a:pt x="6053670" y="1098"/>
+                </a:moveTo>
+                <a:lnTo>
+                  <a:pt x="6053670" y="1084479"/>
+                </a:lnTo>
+                <a:lnTo>
+                  <a:pt x="6053670" y="1254558"/>
+                </a:lnTo>
+                <a:lnTo>
+                  <a:pt x="6053670" y="7139732"/>
+                </a:lnTo>
+                <a:lnTo>
+                  <a:pt x="0" y="7139732"/>
+                </a:lnTo>
+                <a:lnTo>
+                  <a:pt x="0" y="1249853"/>
+                </a:lnTo>
+                <a:lnTo>
+                  <a:pt x="0" y="1084479"/>
+                </a:lnTo>
+                <a:lnTo>
+                  <a:pt x="0" y="0"/>
+                </a:lnTo>
+                <a:lnTo>
+                  <a:pt x="35717" y="5488"/>
+                </a:lnTo>
+                <a:lnTo>
+                  <a:pt x="140445" y="21641"/>
+                </a:lnTo>
+                <a:lnTo>
+                  <a:pt x="216722" y="32932"/>
+                </a:lnTo>
+                <a:lnTo>
+                  <a:pt x="307527" y="44850"/>
+                </a:lnTo>
+                <a:lnTo>
+                  <a:pt x="415282" y="59121"/>
+                </a:lnTo>
+                <a:lnTo>
+                  <a:pt x="534539" y="74175"/>
+                </a:lnTo>
+                <a:lnTo>
+                  <a:pt x="668931" y="90014"/>
+                </a:lnTo>
+                <a:lnTo>
+                  <a:pt x="815430" y="106794"/>
+                </a:lnTo>
+                <a:lnTo>
+                  <a:pt x="974641" y="123574"/>
+                </a:lnTo>
+                <a:lnTo>
+                  <a:pt x="1144144" y="140667"/>
+                </a:lnTo>
+                <a:lnTo>
+                  <a:pt x="1326965" y="156506"/>
+                </a:lnTo>
+                <a:lnTo>
+                  <a:pt x="1518261" y="171717"/>
+                </a:lnTo>
+                <a:lnTo>
+                  <a:pt x="1720453" y="185518"/>
+                </a:lnTo>
+                <a:lnTo>
+                  <a:pt x="1931121" y="198690"/>
+                </a:lnTo>
+                <a:lnTo>
+                  <a:pt x="2150869" y="211079"/>
+                </a:lnTo>
+                <a:lnTo>
+                  <a:pt x="2263467" y="215470"/>
+                </a:lnTo>
+                <a:lnTo>
+                  <a:pt x="2378487" y="220332"/>
+                </a:lnTo>
+                <a:lnTo>
+                  <a:pt x="2495323" y="224879"/>
+                </a:lnTo>
+                <a:lnTo>
+                  <a:pt x="2612764" y="227859"/>
+                </a:lnTo>
+                <a:lnTo>
+                  <a:pt x="2732627" y="230525"/>
+                </a:lnTo>
+                <a:lnTo>
+                  <a:pt x="2853700" y="233348"/>
+                </a:lnTo>
+                <a:lnTo>
+                  <a:pt x="2977195" y="235229"/>
+                </a:lnTo>
+                <a:lnTo>
+                  <a:pt x="3101901" y="235229"/>
+                </a:lnTo>
+                <a:lnTo>
+                  <a:pt x="3227817" y="236170"/>
+                </a:lnTo>
+                <a:lnTo>
+                  <a:pt x="3354944" y="235229"/>
+                </a:lnTo>
+                <a:lnTo>
+                  <a:pt x="3483887" y="233348"/>
+                </a:lnTo>
+                <a:lnTo>
+                  <a:pt x="3612830" y="231623"/>
+                </a:lnTo>
+                <a:lnTo>
+                  <a:pt x="3743590" y="227859"/>
+                </a:lnTo>
+                <a:lnTo>
+                  <a:pt x="3875560" y="223938"/>
+                </a:lnTo>
+                <a:lnTo>
+                  <a:pt x="4007530" y="219391"/>
+                </a:lnTo>
+                <a:lnTo>
+                  <a:pt x="4140710" y="212961"/>
+                </a:lnTo>
+                <a:lnTo>
+                  <a:pt x="4275102" y="205277"/>
+                </a:lnTo>
+                <a:lnTo>
+                  <a:pt x="4410098" y="197907"/>
+                </a:lnTo>
+                <a:lnTo>
+                  <a:pt x="4545096" y="188498"/>
+                </a:lnTo>
+                <a:lnTo>
+                  <a:pt x="4681909" y="177207"/>
+                </a:lnTo>
+                <a:lnTo>
+                  <a:pt x="4816905" y="165916"/>
+                </a:lnTo>
+                <a:lnTo>
+                  <a:pt x="4954323" y="152899"/>
+                </a:lnTo>
+                <a:lnTo>
+                  <a:pt x="5092347" y="138629"/>
+                </a:lnTo>
+                <a:lnTo>
+                  <a:pt x="5228555" y="123574"/>
+                </a:lnTo>
+                <a:lnTo>
+                  <a:pt x="5366578" y="106010"/>
+                </a:lnTo>
+                <a:lnTo>
+                  <a:pt x="5503997" y="87192"/>
+                </a:lnTo>
+                <a:lnTo>
+                  <a:pt x="5642020" y="68530"/>
+                </a:lnTo>
+                <a:lnTo>
+                  <a:pt x="5779438" y="46733"/>
+                </a:lnTo>
+                <a:lnTo>
+                  <a:pt x="5916251" y="24464"/>
+                </a:lnTo>
+                <a:close/>
+              </a:path>
+            </a:pathLst>
+          </a:custGeom>
+          <a:solidFill>
+            <a:schemeClr val="bg1"/>
+          </a:solidFill>
+          <a:ln>
+            <a:noFill/>
+          </a:ln>
+        </p:spPr>
+      </p:sp>
+      <p:sp>
+        <p:nvSpPr>
+          <p:cNvPr id="32" name="Freeform 5">
+            <a:extLst>
+              <a:ext uri="{FF2B5EF4-FFF2-40B4-BE49-F238E27FC236}">
+                <a16:creationId xmlns:a16="http://schemas.microsoft.com/office/drawing/2014/main" id="{1F23E73A-FDC8-462C-83C1-3AA8961449CF}"/>
+              </a:ext>
+              <a:ext uri="{C183D7F6-B498-43B3-948B-1728B52AA6E4}">
+                <adec:decorative xmlns:adec="http://schemas.microsoft.com/office/drawing/2017/decorative" val="1"/>
+              </a:ext>
+            </a:extLst>
+          </p:cNvPr>
+          <p:cNvSpPr>
+            <a:spLocks noGrp="1" noRot="1" noChangeAspect="1" noMove="1" noResize="1" noEditPoints="1" noAdjustHandles="1" noChangeArrowheads="1" noChangeShapeType="1" noTextEdit="1"/>
+          </p:cNvSpPr>
+          <p:nvPr>
+            <p:extLst>
+              <p:ext uri="{386F3935-93C4-4BCD-93E2-E3B085C9AB24}">
+                <p16:designElem xmlns:p16="http://schemas.microsoft.com/office/powerpoint/2015/main" val="1"/>
+              </p:ext>
+            </p:extLst>
+          </p:nvPr>
+        </p:nvSpPr>
+        <p:spPr bwMode="gray">
+          <a:xfrm>
+            <a:off x="0" y="1587"/>
+            <a:ext cx="12192000" cy="6856413"/>
+          </a:xfrm>
+          <a:custGeom>
+            <a:avLst/>
+            <a:gdLst/>
+            <a:ahLst/>
+            <a:cxnLst/>
+            <a:rect l="0" t="0" r="r" b="b"/>
+            <a:pathLst>
+              <a:path w="15356" h="8638">
+                <a:moveTo>
+                  <a:pt x="0" y="0"/>
+                </a:moveTo>
+                <a:lnTo>
+                  <a:pt x="0" y="8638"/>
+                </a:lnTo>
+                <a:lnTo>
+                  <a:pt x="15356" y="8638"/>
+                </a:lnTo>
+                <a:lnTo>
+                  <a:pt x="15356" y="0"/>
+                </a:lnTo>
+                <a:lnTo>
+                  <a:pt x="0" y="0"/>
+                </a:lnTo>
+                <a:close/>
+                <a:moveTo>
+                  <a:pt x="14748" y="8038"/>
+                </a:moveTo>
+                <a:lnTo>
+                  <a:pt x="600" y="8038"/>
+                </a:lnTo>
+                <a:lnTo>
+                  <a:pt x="600" y="592"/>
+                </a:lnTo>
+                <a:lnTo>
+                  <a:pt x="14748" y="592"/>
+                </a:lnTo>
+                <a:lnTo>
+                  <a:pt x="14748" y="8038"/>
+                </a:lnTo>
+                <a:close/>
+              </a:path>
+            </a:pathLst>
+          </a:custGeom>
+          <a:solidFill>
+            <a:schemeClr val="bg1"/>
+          </a:solidFill>
+          <a:ln>
+            <a:noFill/>
+          </a:ln>
+        </p:spPr>
+      </p:sp>
+      <p:sp>
+        <p:nvSpPr>
+          <p:cNvPr id="2" name="TextBox 1">
+            <a:extLst>
+              <a:ext uri="{FF2B5EF4-FFF2-40B4-BE49-F238E27FC236}">
+                <a16:creationId xmlns:a16="http://schemas.microsoft.com/office/drawing/2014/main" id="{2F13526E-E7D9-426A-B2FC-7764724011DF}"/>
+              </a:ext>
+            </a:extLst>
+          </p:cNvPr>
+          <p:cNvSpPr txBox="1"/>
+          <p:nvPr/>
+        </p:nvSpPr>
+        <p:spPr>
+          <a:xfrm>
+            <a:off x="994087" y="1130603"/>
+            <a:ext cx="3342442" cy="4596794"/>
+          </a:xfrm>
+          <a:prstGeom prst="rect">
+            <a:avLst/>
+          </a:prstGeom>
+        </p:spPr>
+        <p:txBody>
+          <a:bodyPr vert="horz" lIns="91440" tIns="45720" rIns="91440" bIns="45720" rtlCol="0" anchor="ctr">
+            <a:normAutofit/>
+          </a:bodyPr>
+          <a:lstStyle/>
+          <a:p>
+            <a:pPr>
+              <a:spcBef>
+                <a:spcPct val="0"/>
+              </a:spcBef>
+              <a:spcAft>
+                <a:spcPts val="600"/>
+              </a:spcAft>
+            </a:pPr>
+            <a:r>
+              <a:rPr lang="en-US" sz="3200" dirty="0">
+                <a:solidFill>
+                  <a:srgbClr val="EBEBEB"/>
+                </a:solidFill>
+                <a:latin typeface="+mj-lt"/>
+                <a:ea typeface="+mj-ea"/>
+                <a:cs typeface="+mj-cs"/>
+              </a:rPr>
+              <a:t>Exploratory Data Analysis</a:t>
+            </a:r>
+          </a:p>
+        </p:txBody>
+      </p:sp>
+      <p:pic>
+        <p:nvPicPr>
           <p:cNvPr id="4" name="Picture 3">
             <a:extLst>
               <a:ext uri="{FF2B5EF4-FFF2-40B4-BE49-F238E27FC236}">
@@ -20337,7 +22266,7 @@
 </p:sld>
 </file>
 
-<file path=ppt/slides/slide12.xml><?xml version="1.0" encoding="utf-8"?>
+<file path=ppt/slides/slide13.xml><?xml version="1.0" encoding="utf-8"?>
 <p:sld xmlns:a="http://schemas.openxmlformats.org/drawingml/2006/main" xmlns:r="http://schemas.openxmlformats.org/officeDocument/2006/relationships" xmlns:p="http://schemas.openxmlformats.org/presentationml/2006/main">
   <p:cSld>
     <p:bg>
@@ -21293,7 +23222,7 @@
 </p:sld>
 </file>
 
-<file path=ppt/slides/slide13.xml><?xml version="1.0" encoding="utf-8"?>
+<file path=ppt/slides/slide14.xml><?xml version="1.0" encoding="utf-8"?>
 <p:sld xmlns:a="http://schemas.openxmlformats.org/drawingml/2006/main" xmlns:r="http://schemas.openxmlformats.org/officeDocument/2006/relationships" xmlns:p="http://schemas.openxmlformats.org/presentationml/2006/main">
   <p:cSld>
     <p:bg>
@@ -23544,7 +25473,7 @@
 </p:sld>
 </file>
 
-<file path=ppt/slides/slide14.xml><?xml version="1.0" encoding="utf-8"?>
+<file path=ppt/slides/slide15.xml><?xml version="1.0" encoding="utf-8"?>
 <p:sld xmlns:a="http://schemas.openxmlformats.org/drawingml/2006/main" xmlns:r="http://schemas.openxmlformats.org/officeDocument/2006/relationships" xmlns:p="http://schemas.openxmlformats.org/presentationml/2006/main">
   <p:cSld>
     <p:bg>
@@ -32355,41 +34284,6 @@
           </a:p>
         </p:txBody>
       </p:sp>
-      <p:sp>
-        <p:nvSpPr>
-          <p:cNvPr id="3" name="TextBox 2">
-            <a:extLst>
-              <a:ext uri="{FF2B5EF4-FFF2-40B4-BE49-F238E27FC236}">
-                <a16:creationId xmlns:a16="http://schemas.microsoft.com/office/drawing/2014/main" id="{0DDE2884-4335-4A18-ADBF-1A0BA732343C}"/>
-              </a:ext>
-            </a:extLst>
-          </p:cNvPr>
-          <p:cNvSpPr txBox="1"/>
-          <p:nvPr/>
-        </p:nvSpPr>
-        <p:spPr>
-          <a:xfrm>
-            <a:off x="5142960" y="503583"/>
-            <a:ext cx="6399683" cy="369332"/>
-          </a:xfrm>
-          <a:prstGeom prst="rect">
-            <a:avLst/>
-          </a:prstGeom>
-          <a:noFill/>
-        </p:spPr>
-        <p:txBody>
-          <a:bodyPr wrap="square" rtlCol="0">
-            <a:spAutoFit/>
-          </a:bodyPr>
-          <a:lstStyle/>
-          <a:p>
-            <a:r>
-              <a:rPr lang="en-US" dirty="0"/>
-              <a:t>Total Sales all over the globe</a:t>
-            </a:r>
-          </a:p>
-        </p:txBody>
-      </p:sp>
       <p:pic>
         <p:nvPicPr>
           <p:cNvPr id="7" name="Picture 6">
@@ -32412,79 +34306,14 @@
         </p:blipFill>
         <p:spPr>
           <a:xfrm>
-            <a:off x="4871110" y="341361"/>
-            <a:ext cx="3944790" cy="3846360"/>
+            <a:off x="5142961" y="823422"/>
+            <a:ext cx="5750326" cy="5136619"/>
           </a:xfrm>
           <a:prstGeom prst="rect">
             <a:avLst/>
           </a:prstGeom>
         </p:spPr>
       </p:pic>
-      <p:pic>
-        <p:nvPicPr>
-          <p:cNvPr id="9" name="Picture 8">
-            <a:extLst>
-              <a:ext uri="{FF2B5EF4-FFF2-40B4-BE49-F238E27FC236}">
-                <a16:creationId xmlns:a16="http://schemas.microsoft.com/office/drawing/2014/main" id="{C648792B-4F3E-47BC-AECA-175179685B0E}"/>
-              </a:ext>
-            </a:extLst>
-          </p:cNvPr>
-          <p:cNvPicPr>
-            <a:picLocks noChangeAspect="1"/>
-          </p:cNvPicPr>
-          <p:nvPr/>
-        </p:nvPicPr>
-        <p:blipFill>
-          <a:blip r:embed="rId4"/>
-          <a:stretch>
-            <a:fillRect/>
-          </a:stretch>
-        </p:blipFill>
-        <p:spPr>
-          <a:xfrm>
-            <a:off x="8254810" y="3708649"/>
-            <a:ext cx="3883896" cy="2881300"/>
-          </a:xfrm>
-          <a:prstGeom prst="rect">
-            <a:avLst/>
-          </a:prstGeom>
-        </p:spPr>
-      </p:pic>
-      <p:sp>
-        <p:nvSpPr>
-          <p:cNvPr id="10" name="TextBox 9">
-            <a:extLst>
-              <a:ext uri="{FF2B5EF4-FFF2-40B4-BE49-F238E27FC236}">
-                <a16:creationId xmlns:a16="http://schemas.microsoft.com/office/drawing/2014/main" id="{E46C8479-F752-485E-9AB7-98E175D1107B}"/>
-              </a:ext>
-            </a:extLst>
-          </p:cNvPr>
-          <p:cNvSpPr txBox="1"/>
-          <p:nvPr/>
-        </p:nvSpPr>
-        <p:spPr>
-          <a:xfrm>
-            <a:off x="8815900" y="2895600"/>
-            <a:ext cx="3022094" cy="646331"/>
-          </a:xfrm>
-          <a:prstGeom prst="rect">
-            <a:avLst/>
-          </a:prstGeom>
-          <a:noFill/>
-        </p:spPr>
-        <p:txBody>
-          <a:bodyPr wrap="square" rtlCol="0">
-            <a:spAutoFit/>
-          </a:bodyPr>
-          <a:lstStyle/>
-          <a:p>
-            <a:r>
-              <a:rPr lang="en-US" dirty="0"/>
-              <a:t>Sale in UK according to months(in millions)</a:t>
-            </a:r>
-          </a:p>
-        </p:txBody>
-      </p:sp>
       <p:sp>
         <p:nvSpPr>
           <p:cNvPr id="21" name="TextBox 20">
@@ -32499,8 +34328,8 @@
         </p:nvSpPr>
         <p:spPr>
           <a:xfrm>
-            <a:off x="5035826" y="4373217"/>
-            <a:ext cx="3149655" cy="646331"/>
+            <a:off x="5939968" y="406607"/>
+            <a:ext cx="5075131" cy="369332"/>
           </a:xfrm>
           <a:prstGeom prst="rect">
             <a:avLst/>
@@ -34383,12 +36212,47 @@
           </a:p>
         </p:txBody>
       </p:sp>
+      <p:sp>
+        <p:nvSpPr>
+          <p:cNvPr id="21" name="TextBox 20">
+            <a:extLst>
+              <a:ext uri="{FF2B5EF4-FFF2-40B4-BE49-F238E27FC236}">
+                <a16:creationId xmlns:a16="http://schemas.microsoft.com/office/drawing/2014/main" id="{883B240B-70C2-408D-8BCA-C15A9A6B587B}"/>
+              </a:ext>
+            </a:extLst>
+          </p:cNvPr>
+          <p:cNvSpPr txBox="1"/>
+          <p:nvPr/>
+        </p:nvSpPr>
+        <p:spPr>
+          <a:xfrm>
+            <a:off x="6353281" y="939167"/>
+            <a:ext cx="5075131" cy="369332"/>
+          </a:xfrm>
+          <a:prstGeom prst="rect">
+            <a:avLst/>
+          </a:prstGeom>
+          <a:noFill/>
+        </p:spPr>
+        <p:txBody>
+          <a:bodyPr wrap="square" rtlCol="0">
+            <a:spAutoFit/>
+          </a:bodyPr>
+          <a:lstStyle/>
+          <a:p>
+            <a:r>
+              <a:rPr lang="en-US" dirty="0"/>
+              <a:t>Gross Monthly Sale in Millions</a:t>
+            </a:r>
+          </a:p>
+        </p:txBody>
+      </p:sp>
       <p:pic>
         <p:nvPicPr>
-          <p:cNvPr id="5" name="Picture 4">
+          <p:cNvPr id="23" name="Picture 22">
             <a:extLst>
               <a:ext uri="{FF2B5EF4-FFF2-40B4-BE49-F238E27FC236}">
-                <a16:creationId xmlns:a16="http://schemas.microsoft.com/office/drawing/2014/main" id="{A7BF9F9F-FA65-4E1B-BF18-493069C0FF9E}"/>
+                <a16:creationId xmlns:a16="http://schemas.microsoft.com/office/drawing/2014/main" id="{E8D6CD73-9C06-45C4-A11F-EB7ECBB07240}"/>
               </a:ext>
             </a:extLst>
           </p:cNvPr>
@@ -34405,53 +36269,18 @@
         </p:blipFill>
         <p:spPr>
           <a:xfrm>
-            <a:off x="5103812" y="2009241"/>
-            <a:ext cx="5791200" cy="3037117"/>
+            <a:off x="4871110" y="1464240"/>
+            <a:ext cx="6111544" cy="4533899"/>
           </a:xfrm>
           <a:prstGeom prst="rect">
             <a:avLst/>
           </a:prstGeom>
         </p:spPr>
       </p:pic>
-      <p:sp>
-        <p:nvSpPr>
-          <p:cNvPr id="6" name="TextBox 5">
-            <a:extLst>
-              <a:ext uri="{FF2B5EF4-FFF2-40B4-BE49-F238E27FC236}">
-                <a16:creationId xmlns:a16="http://schemas.microsoft.com/office/drawing/2014/main" id="{8B0B9AD2-843C-4DDB-B0BC-7551F8D402DF}"/>
-              </a:ext>
-            </a:extLst>
-          </p:cNvPr>
-          <p:cNvSpPr txBox="1"/>
-          <p:nvPr/>
-        </p:nvSpPr>
-        <p:spPr>
-          <a:xfrm>
-            <a:off x="5711687" y="1130603"/>
-            <a:ext cx="4876800" cy="923330"/>
-          </a:xfrm>
-          <a:prstGeom prst="rect">
-            <a:avLst/>
-          </a:prstGeom>
-          <a:noFill/>
-        </p:spPr>
-        <p:txBody>
-          <a:bodyPr wrap="square" rtlCol="0">
-            <a:spAutoFit/>
-          </a:bodyPr>
-          <a:lstStyle/>
-          <a:p>
-            <a:r>
-              <a:rPr lang="en-US" dirty="0"/>
-              <a:t>Increase in new customers in the week number 45 – 50, i.e., November and December</a:t>
-            </a:r>
-          </a:p>
-        </p:txBody>
-      </p:sp>
     </p:spTree>
     <p:extLst>
       <p:ext uri="{BB962C8B-B14F-4D97-AF65-F5344CB8AC3E}">
-        <p14:creationId xmlns:p14="http://schemas.microsoft.com/office/powerpoint/2010/main" val="798703398"/>
+        <p14:creationId xmlns:p14="http://schemas.microsoft.com/office/powerpoint/2010/main" val="2035646579"/>
       </p:ext>
     </p:extLst>
   </p:cSld>
@@ -36311,55 +38140,12 @@
           </a:p>
         </p:txBody>
       </p:sp>
-      <p:sp>
-        <p:nvSpPr>
-          <p:cNvPr id="6" name="TextBox 5">
+      <p:pic>
+        <p:nvPicPr>
+          <p:cNvPr id="5" name="Picture 4">
             <a:extLst>
               <a:ext uri="{FF2B5EF4-FFF2-40B4-BE49-F238E27FC236}">
-                <a16:creationId xmlns:a16="http://schemas.microsoft.com/office/drawing/2014/main" id="{8B0B9AD2-843C-4DDB-B0BC-7551F8D402DF}"/>
-              </a:ext>
-            </a:extLst>
-          </p:cNvPr>
-          <p:cNvSpPr txBox="1"/>
-          <p:nvPr/>
-        </p:nvSpPr>
-        <p:spPr>
-          <a:xfrm>
-            <a:off x="5711687" y="1130603"/>
-            <a:ext cx="4876800" cy="646331"/>
-          </a:xfrm>
-          <a:prstGeom prst="rect">
-            <a:avLst/>
-          </a:prstGeom>
-          <a:noFill/>
-        </p:spPr>
-        <p:txBody>
-          <a:bodyPr wrap="square" rtlCol="0">
-            <a:spAutoFit/>
-          </a:bodyPr>
-          <a:lstStyle/>
-          <a:p>
-            <a:r>
-              <a:rPr lang="en-US" dirty="0"/>
-              <a:t>Justifies the total spend more in dec and </a:t>
-            </a:r>
-            <a:r>
-              <a:rPr lang="en-US" dirty="0" err="1"/>
-              <a:t>nov</a:t>
-            </a:r>
-            <a:r>
-              <a:rPr lang="en-US" dirty="0"/>
-              <a:t> from previous slide. </a:t>
-            </a:r>
-          </a:p>
-        </p:txBody>
-      </p:sp>
-      <p:pic>
-        <p:nvPicPr>
-          <p:cNvPr id="4" name="Picture 3">
-            <a:extLst>
-              <a:ext uri="{FF2B5EF4-FFF2-40B4-BE49-F238E27FC236}">
-                <a16:creationId xmlns:a16="http://schemas.microsoft.com/office/drawing/2014/main" id="{73303A0F-3E71-4F26-BDDA-7DD2D3656615}"/>
+                <a16:creationId xmlns:a16="http://schemas.microsoft.com/office/drawing/2014/main" id="{A7BF9F9F-FA65-4E1B-BF18-493069C0FF9E}"/>
               </a:ext>
             </a:extLst>
           </p:cNvPr>
@@ -36376,18 +38162,53 @@
         </p:blipFill>
         <p:spPr>
           <a:xfrm>
-            <a:off x="5274438" y="2454509"/>
-            <a:ext cx="6153974" cy="3272887"/>
+            <a:off x="5103812" y="2009241"/>
+            <a:ext cx="5791200" cy="3037117"/>
           </a:xfrm>
           <a:prstGeom prst="rect">
             <a:avLst/>
           </a:prstGeom>
         </p:spPr>
       </p:pic>
+      <p:sp>
+        <p:nvSpPr>
+          <p:cNvPr id="6" name="TextBox 5">
+            <a:extLst>
+              <a:ext uri="{FF2B5EF4-FFF2-40B4-BE49-F238E27FC236}">
+                <a16:creationId xmlns:a16="http://schemas.microsoft.com/office/drawing/2014/main" id="{8B0B9AD2-843C-4DDB-B0BC-7551F8D402DF}"/>
+              </a:ext>
+            </a:extLst>
+          </p:cNvPr>
+          <p:cNvSpPr txBox="1"/>
+          <p:nvPr/>
+        </p:nvSpPr>
+        <p:spPr>
+          <a:xfrm>
+            <a:off x="5711687" y="1130603"/>
+            <a:ext cx="4876800" cy="923330"/>
+          </a:xfrm>
+          <a:prstGeom prst="rect">
+            <a:avLst/>
+          </a:prstGeom>
+          <a:noFill/>
+        </p:spPr>
+        <p:txBody>
+          <a:bodyPr wrap="square" rtlCol="0">
+            <a:spAutoFit/>
+          </a:bodyPr>
+          <a:lstStyle/>
+          <a:p>
+            <a:r>
+              <a:rPr lang="en-US" dirty="0"/>
+              <a:t>Increase in new customers in the week number 45 – 50, i.e., November and December</a:t>
+            </a:r>
+          </a:p>
+        </p:txBody>
+      </p:sp>
     </p:spTree>
     <p:extLst>
       <p:ext uri="{BB962C8B-B14F-4D97-AF65-F5344CB8AC3E}">
-        <p14:creationId xmlns:p14="http://schemas.microsoft.com/office/powerpoint/2010/main" val="476228509"/>
+        <p14:creationId xmlns:p14="http://schemas.microsoft.com/office/powerpoint/2010/main" val="798703398"/>
       </p:ext>
     </p:extLst>
   </p:cSld>
@@ -38247,12 +40068,55 @@
           </a:p>
         </p:txBody>
       </p:sp>
+      <p:sp>
+        <p:nvSpPr>
+          <p:cNvPr id="6" name="TextBox 5">
+            <a:extLst>
+              <a:ext uri="{FF2B5EF4-FFF2-40B4-BE49-F238E27FC236}">
+                <a16:creationId xmlns:a16="http://schemas.microsoft.com/office/drawing/2014/main" id="{8B0B9AD2-843C-4DDB-B0BC-7551F8D402DF}"/>
+              </a:ext>
+            </a:extLst>
+          </p:cNvPr>
+          <p:cNvSpPr txBox="1"/>
+          <p:nvPr/>
+        </p:nvSpPr>
+        <p:spPr>
+          <a:xfrm>
+            <a:off x="5711687" y="1130603"/>
+            <a:ext cx="4876800" cy="646331"/>
+          </a:xfrm>
+          <a:prstGeom prst="rect">
+            <a:avLst/>
+          </a:prstGeom>
+          <a:noFill/>
+        </p:spPr>
+        <p:txBody>
+          <a:bodyPr wrap="square" rtlCol="0">
+            <a:spAutoFit/>
+          </a:bodyPr>
+          <a:lstStyle/>
+          <a:p>
+            <a:r>
+              <a:rPr lang="en-US" dirty="0"/>
+              <a:t>Justifies the total spend more in dec and </a:t>
+            </a:r>
+            <a:r>
+              <a:rPr lang="en-US" dirty="0" err="1"/>
+              <a:t>nov</a:t>
+            </a:r>
+            <a:r>
+              <a:rPr lang="en-US" dirty="0"/>
+              <a:t> from previous slide. </a:t>
+            </a:r>
+          </a:p>
+        </p:txBody>
+      </p:sp>
       <p:pic>
         <p:nvPicPr>
-          <p:cNvPr id="5" name="Picture 4">
+          <p:cNvPr id="4" name="Picture 3">
             <a:extLst>
               <a:ext uri="{FF2B5EF4-FFF2-40B4-BE49-F238E27FC236}">
-                <a16:creationId xmlns:a16="http://schemas.microsoft.com/office/drawing/2014/main" id="{E1BAE163-A9A2-4E36-9F7B-15379E9BF991}"/>
+                <a16:creationId xmlns:a16="http://schemas.microsoft.com/office/drawing/2014/main" id="{73303A0F-3E71-4F26-BDDA-7DD2D3656615}"/>
               </a:ext>
             </a:extLst>
           </p:cNvPr>
@@ -38269,38 +40133,8 @@
         </p:blipFill>
         <p:spPr>
           <a:xfrm>
-            <a:off x="5042694" y="588164"/>
-            <a:ext cx="6238875" cy="2581275"/>
-          </a:xfrm>
-          <a:prstGeom prst="rect">
-            <a:avLst/>
-          </a:prstGeom>
-        </p:spPr>
-      </p:pic>
-      <p:pic>
-        <p:nvPicPr>
-          <p:cNvPr id="8" name="Picture 7">
-            <a:extLst>
-              <a:ext uri="{FF2B5EF4-FFF2-40B4-BE49-F238E27FC236}">
-                <a16:creationId xmlns:a16="http://schemas.microsoft.com/office/drawing/2014/main" id="{A99A0E17-4EFF-4184-A70A-C2C0CE24A809}"/>
-              </a:ext>
-            </a:extLst>
-          </p:cNvPr>
-          <p:cNvPicPr>
-            <a:picLocks noChangeAspect="1"/>
-          </p:cNvPicPr>
-          <p:nvPr/>
-        </p:nvPicPr>
-        <p:blipFill>
-          <a:blip r:embed="rId4"/>
-          <a:stretch>
-            <a:fillRect/>
-          </a:stretch>
-        </p:blipFill>
-        <p:spPr>
-          <a:xfrm>
-            <a:off x="5042694" y="3649216"/>
-            <a:ext cx="5962650" cy="2562225"/>
+            <a:off x="5274438" y="2454509"/>
+            <a:ext cx="6153974" cy="3272887"/>
           </a:xfrm>
           <a:prstGeom prst="rect">
             <a:avLst/>
@@ -38310,7 +40144,7 @@
     </p:spTree>
     <p:extLst>
       <p:ext uri="{BB962C8B-B14F-4D97-AF65-F5344CB8AC3E}">
-        <p14:creationId xmlns:p14="http://schemas.microsoft.com/office/powerpoint/2010/main" val="2865328321"/>
+        <p14:creationId xmlns:p14="http://schemas.microsoft.com/office/powerpoint/2010/main" val="476228509"/>
       </p:ext>
     </p:extLst>
   </p:cSld>
@@ -40175,7 +42009,7 @@
           <p:cNvPr id="5" name="Picture 4">
             <a:extLst>
               <a:ext uri="{FF2B5EF4-FFF2-40B4-BE49-F238E27FC236}">
-                <a16:creationId xmlns:a16="http://schemas.microsoft.com/office/drawing/2014/main" id="{D64C8B4B-5ED4-4FB2-B45F-F83C8D11D9E4}"/>
+                <a16:creationId xmlns:a16="http://schemas.microsoft.com/office/drawing/2014/main" id="{E1BAE163-A9A2-4E36-9F7B-15379E9BF991}"/>
               </a:ext>
             </a:extLst>
           </p:cNvPr>
@@ -40192,53 +42026,48 @@
         </p:blipFill>
         <p:spPr>
           <a:xfrm>
-            <a:off x="5894202" y="1745140"/>
-            <a:ext cx="4906320" cy="4589374"/>
+            <a:off x="5042694" y="588164"/>
+            <a:ext cx="6238875" cy="2581275"/>
           </a:xfrm>
           <a:prstGeom prst="rect">
             <a:avLst/>
           </a:prstGeom>
         </p:spPr>
       </p:pic>
-      <p:sp>
-        <p:nvSpPr>
-          <p:cNvPr id="6" name="TextBox 5">
+      <p:pic>
+        <p:nvPicPr>
+          <p:cNvPr id="8" name="Picture 7">
             <a:extLst>
               <a:ext uri="{FF2B5EF4-FFF2-40B4-BE49-F238E27FC236}">
-                <a16:creationId xmlns:a16="http://schemas.microsoft.com/office/drawing/2014/main" id="{FBD938F6-E4A1-4F71-B746-B3F0058A6A97}"/>
+                <a16:creationId xmlns:a16="http://schemas.microsoft.com/office/drawing/2014/main" id="{A99A0E17-4EFF-4184-A70A-C2C0CE24A809}"/>
               </a:ext>
             </a:extLst>
           </p:cNvPr>
-          <p:cNvSpPr txBox="1"/>
+          <p:cNvPicPr>
+            <a:picLocks noChangeAspect="1"/>
+          </p:cNvPicPr>
           <p:nvPr/>
-        </p:nvSpPr>
+        </p:nvPicPr>
+        <p:blipFill>
+          <a:blip r:embed="rId4"/>
+          <a:stretch>
+            <a:fillRect/>
+          </a:stretch>
+        </p:blipFill>
         <p:spPr>
           <a:xfrm>
-            <a:off x="5696774" y="1212653"/>
-            <a:ext cx="5196513" cy="369332"/>
+            <a:off x="5042694" y="3649216"/>
+            <a:ext cx="5962650" cy="2562225"/>
           </a:xfrm>
           <a:prstGeom prst="rect">
             <a:avLst/>
           </a:prstGeom>
-          <a:noFill/>
         </p:spPr>
-        <p:txBody>
-          <a:bodyPr wrap="square" rtlCol="0">
-            <a:spAutoFit/>
-          </a:bodyPr>
-          <a:lstStyle/>
-          <a:p>
-            <a:r>
-              <a:rPr lang="en-US" dirty="0"/>
-              <a:t>Best selling products over 12 months in UK</a:t>
-            </a:r>
-          </a:p>
-        </p:txBody>
-      </p:sp>
+      </p:pic>
     </p:spTree>
     <p:extLst>
       <p:ext uri="{BB962C8B-B14F-4D97-AF65-F5344CB8AC3E}">
-        <p14:creationId xmlns:p14="http://schemas.microsoft.com/office/powerpoint/2010/main" val="2635765190"/>
+        <p14:creationId xmlns:p14="http://schemas.microsoft.com/office/powerpoint/2010/main" val="2865328321"/>
       </p:ext>
     </p:extLst>
   </p:cSld>

--- a/sales.pptx
+++ b/sales.pptx
@@ -20252,12 +20252,47 @@
           </a:p>
         </p:txBody>
       </p:sp>
+      <p:sp>
+        <p:nvSpPr>
+          <p:cNvPr id="6" name="TextBox 5">
+            <a:extLst>
+              <a:ext uri="{FF2B5EF4-FFF2-40B4-BE49-F238E27FC236}">
+                <a16:creationId xmlns:a16="http://schemas.microsoft.com/office/drawing/2014/main" id="{4FF99A6B-3C10-4EB2-AEBD-96E412345FA9}"/>
+              </a:ext>
+            </a:extLst>
+          </p:cNvPr>
+          <p:cNvSpPr txBox="1"/>
+          <p:nvPr/>
+        </p:nvSpPr>
+        <p:spPr>
+          <a:xfrm>
+            <a:off x="6388404" y="1115512"/>
+            <a:ext cx="5332412" cy="923330"/>
+          </a:xfrm>
+          <a:prstGeom prst="rect">
+            <a:avLst/>
+          </a:prstGeom>
+          <a:noFill/>
+        </p:spPr>
+        <p:txBody>
+          <a:bodyPr wrap="square" rtlCol="0">
+            <a:spAutoFit/>
+          </a:bodyPr>
+          <a:lstStyle/>
+          <a:p>
+            <a:r>
+              <a:rPr lang="en-US" dirty="0"/>
+              <a:t>People bought few Christmas items in November pertaining to availability in the next month.</a:t>
+            </a:r>
+          </a:p>
+        </p:txBody>
+      </p:sp>
       <p:pic>
         <p:nvPicPr>
-          <p:cNvPr id="5" name="Picture 4">
+          <p:cNvPr id="4" name="Picture 3">
             <a:extLst>
               <a:ext uri="{FF2B5EF4-FFF2-40B4-BE49-F238E27FC236}">
-                <a16:creationId xmlns:a16="http://schemas.microsoft.com/office/drawing/2014/main" id="{54AD5428-7BCF-42BD-8D09-2E0ABC99DD08}"/>
+                <a16:creationId xmlns:a16="http://schemas.microsoft.com/office/drawing/2014/main" id="{BEE65298-897D-47B3-83CE-CB2999343AC3}"/>
               </a:ext>
             </a:extLst>
           </p:cNvPr>
@@ -20274,49 +20309,14 @@
         </p:blipFill>
         <p:spPr>
           <a:xfrm>
-            <a:off x="5035506" y="1798669"/>
-            <a:ext cx="6924675" cy="3733800"/>
+            <a:off x="5039009" y="2038843"/>
+            <a:ext cx="7136030" cy="4110166"/>
           </a:xfrm>
           <a:prstGeom prst="rect">
             <a:avLst/>
           </a:prstGeom>
         </p:spPr>
       </p:pic>
-      <p:sp>
-        <p:nvSpPr>
-          <p:cNvPr id="6" name="TextBox 5">
-            <a:extLst>
-              <a:ext uri="{FF2B5EF4-FFF2-40B4-BE49-F238E27FC236}">
-                <a16:creationId xmlns:a16="http://schemas.microsoft.com/office/drawing/2014/main" id="{4FF99A6B-3C10-4EB2-AEBD-96E412345FA9}"/>
-              </a:ext>
-            </a:extLst>
-          </p:cNvPr>
-          <p:cNvSpPr txBox="1"/>
-          <p:nvPr/>
-        </p:nvSpPr>
-        <p:spPr>
-          <a:xfrm>
-            <a:off x="6388404" y="1115512"/>
-            <a:ext cx="5332412" cy="646331"/>
-          </a:xfrm>
-          <a:prstGeom prst="rect">
-            <a:avLst/>
-          </a:prstGeom>
-          <a:noFill/>
-        </p:spPr>
-        <p:txBody>
-          <a:bodyPr wrap="square" rtlCol="0">
-            <a:spAutoFit/>
-          </a:bodyPr>
-          <a:lstStyle/>
-          <a:p>
-            <a:r>
-              <a:rPr lang="en-US" dirty="0"/>
-              <a:t>People bought few Christmas items in Nov pertaining to availability in the next month</a:t>
-            </a:r>
-          </a:p>
-        </p:txBody>
-      </p:sp>
     </p:spTree>
     <p:extLst>
       <p:ext uri="{BB962C8B-B14F-4D97-AF65-F5344CB8AC3E}">
@@ -22240,15 +22240,7 @@
           <a:p>
             <a:r>
               <a:rPr lang="en-US" dirty="0"/>
-              <a:t>Only product sold in December was Little Birdie. Making it </a:t>
-            </a:r>
-            <a:r>
-              <a:rPr lang="en-US" dirty="0" err="1"/>
-              <a:t>suspiscious</a:t>
-            </a:r>
-            <a:r>
-              <a:rPr lang="en-US" dirty="0"/>
-              <a:t>.</a:t>
+              <a:t>Only product sold in December was Little Birdie. Making it suspicious.</a:t>
             </a:r>
           </a:p>
         </p:txBody>
@@ -40083,7 +40075,7 @@
         <p:spPr>
           <a:xfrm>
             <a:off x="5711687" y="1130603"/>
-            <a:ext cx="4876800" cy="646331"/>
+            <a:ext cx="4876800" cy="923330"/>
           </a:xfrm>
           <a:prstGeom prst="rect">
             <a:avLst/>
@@ -40098,15 +40090,7 @@
           <a:p>
             <a:r>
               <a:rPr lang="en-US" dirty="0"/>
-              <a:t>Justifies the total spend more in dec and </a:t>
-            </a:r>
-            <a:r>
-              <a:rPr lang="en-US" dirty="0" err="1"/>
-              <a:t>nov</a:t>
-            </a:r>
-            <a:r>
-              <a:rPr lang="en-US" dirty="0"/>
-              <a:t> from previous slide. </a:t>
+              <a:t>Justifies the total spend more in December and November from previous slide. </a:t>
             </a:r>
           </a:p>
         </p:txBody>
